--- a/customize-parser/slides/01.pptx
+++ b/customize-parser/slides/01.pptx
@@ -6,30 +6,40 @@
     <p:sldMasterId id="2147483662" r:id="rId2"/>
   </p:sldMasterIdLst>
   <p:notesMasterIdLst>
-    <p:notesMasterId r:id="rId24"/>
+    <p:notesMasterId r:id="rId34"/>
   </p:notesMasterIdLst>
   <p:sldIdLst>
     <p:sldId id="259" r:id="rId3"/>
     <p:sldId id="502" r:id="rId4"/>
     <p:sldId id="501" r:id="rId5"/>
-    <p:sldId id="496" r:id="rId6"/>
-    <p:sldId id="498" r:id="rId7"/>
-    <p:sldId id="499" r:id="rId8"/>
-    <p:sldId id="500" r:id="rId9"/>
-    <p:sldId id="481" r:id="rId10"/>
-    <p:sldId id="482" r:id="rId11"/>
-    <p:sldId id="488" r:id="rId12"/>
-    <p:sldId id="483" r:id="rId13"/>
-    <p:sldId id="489" r:id="rId14"/>
-    <p:sldId id="484" r:id="rId15"/>
-    <p:sldId id="485" r:id="rId16"/>
-    <p:sldId id="486" r:id="rId17"/>
-    <p:sldId id="487" r:id="rId18"/>
-    <p:sldId id="490" r:id="rId19"/>
-    <p:sldId id="491" r:id="rId20"/>
-    <p:sldId id="493" r:id="rId21"/>
-    <p:sldId id="494" r:id="rId22"/>
-    <p:sldId id="495" r:id="rId23"/>
+    <p:sldId id="504" r:id="rId6"/>
+    <p:sldId id="505" r:id="rId7"/>
+    <p:sldId id="496" r:id="rId8"/>
+    <p:sldId id="498" r:id="rId9"/>
+    <p:sldId id="499" r:id="rId10"/>
+    <p:sldId id="500" r:id="rId11"/>
+    <p:sldId id="510" r:id="rId12"/>
+    <p:sldId id="507" r:id="rId13"/>
+    <p:sldId id="509" r:id="rId14"/>
+    <p:sldId id="508" r:id="rId15"/>
+    <p:sldId id="511" r:id="rId16"/>
+    <p:sldId id="506" r:id="rId17"/>
+    <p:sldId id="512" r:id="rId18"/>
+    <p:sldId id="513" r:id="rId19"/>
+    <p:sldId id="481" r:id="rId20"/>
+    <p:sldId id="482" r:id="rId21"/>
+    <p:sldId id="488" r:id="rId22"/>
+    <p:sldId id="483" r:id="rId23"/>
+    <p:sldId id="489" r:id="rId24"/>
+    <p:sldId id="484" r:id="rId25"/>
+    <p:sldId id="485" r:id="rId26"/>
+    <p:sldId id="486" r:id="rId27"/>
+    <p:sldId id="487" r:id="rId28"/>
+    <p:sldId id="490" r:id="rId29"/>
+    <p:sldId id="491" r:id="rId30"/>
+    <p:sldId id="493" r:id="rId31"/>
+    <p:sldId id="494" r:id="rId32"/>
+    <p:sldId id="495" r:id="rId33"/>
   </p:sldIdLst>
   <p:sldSz cx="12192000" cy="6858000"/>
   <p:notesSz cx="6858000" cy="9144000"/>
@@ -166,10 +176,20 @@
             <p14:sldId id="259"/>
             <p14:sldId id="502"/>
             <p14:sldId id="501"/>
+            <p14:sldId id="504"/>
+            <p14:sldId id="505"/>
             <p14:sldId id="496"/>
             <p14:sldId id="498"/>
             <p14:sldId id="499"/>
             <p14:sldId id="500"/>
+            <p14:sldId id="510"/>
+            <p14:sldId id="507"/>
+            <p14:sldId id="509"/>
+            <p14:sldId id="508"/>
+            <p14:sldId id="511"/>
+            <p14:sldId id="506"/>
+            <p14:sldId id="512"/>
+            <p14:sldId id="513"/>
             <p14:sldId id="481"/>
             <p14:sldId id="482"/>
             <p14:sldId id="488"/>
@@ -16852,34 +16872,6 @@
       </p:grpSpPr>
       <p:sp>
         <p:nvSpPr>
-          <p:cNvPr id="7" name="标题 6">
-            <a:extLst>
-              <a:ext uri="{FF2B5EF4-FFF2-40B4-BE49-F238E27FC236}">
-                <a16:creationId xmlns:a16="http://schemas.microsoft.com/office/drawing/2014/main" id="{0E5687B6-2DF7-4069-A641-049E0B1343D3}"/>
-              </a:ext>
-            </a:extLst>
-          </p:cNvPr>
-          <p:cNvSpPr>
-            <a:spLocks noGrp="1"/>
-          </p:cNvSpPr>
-          <p:nvPr>
-            <p:ph type="title"/>
-          </p:nvPr>
-        </p:nvSpPr>
-        <p:spPr/>
-        <p:txBody>
-          <a:bodyPr/>
-          <a:lstStyle/>
-          <a:p>
-            <a:r>
-              <a:rPr lang="en-US" dirty="0"/>
-              <a:t>Standard SQL </a:t>
-            </a:r>
-          </a:p>
-        </p:txBody>
-      </p:sp>
-      <p:sp>
-        <p:nvSpPr>
           <p:cNvPr id="5" name="页脚占位符 4">
             <a:extLst>
               <a:ext uri="{FF2B5EF4-FFF2-40B4-BE49-F238E27FC236}">
@@ -16947,38 +16939,55 @@
       </p:sp>
       <p:pic>
         <p:nvPicPr>
-          <p:cNvPr id="11" name="图片 10">
-            <a:extLst>
-              <a:ext uri="{FF2B5EF4-FFF2-40B4-BE49-F238E27FC236}">
-                <a16:creationId xmlns:a16="http://schemas.microsoft.com/office/drawing/2014/main" id="{FAF150BC-903C-44A7-8EF7-736422DF8FD8}"/>
+          <p:cNvPr id="1026" name="Picture 2" descr="Introduction to Relational Algebra » CS Taleem">
+            <a:extLst>
+              <a:ext uri="{FF2B5EF4-FFF2-40B4-BE49-F238E27FC236}">
+                <a16:creationId xmlns:a16="http://schemas.microsoft.com/office/drawing/2014/main" id="{7E8EEF37-856B-4A0A-B74A-E6613A1D207D}"/>
               </a:ext>
             </a:extLst>
           </p:cNvPr>
           <p:cNvPicPr>
-            <a:picLocks noChangeAspect="1"/>
+            <a:picLocks noChangeAspect="1" noChangeArrowheads="1"/>
           </p:cNvPicPr>
           <p:nvPr/>
         </p:nvPicPr>
         <p:blipFill>
-          <a:blip r:embed="rId2"/>
+          <a:blip r:embed="rId2">
+            <a:extLst>
+              <a:ext uri="{28A0092B-C50C-407E-A947-70E740481C1C}">
+                <a14:useLocalDpi xmlns:a14="http://schemas.microsoft.com/office/drawing/2010/main" val="0"/>
+              </a:ext>
+            </a:extLst>
+          </a:blip>
+          <a:srcRect/>
           <a:stretch>
             <a:fillRect/>
           </a:stretch>
         </p:blipFill>
-        <p:spPr>
-          <a:xfrm>
-            <a:off x="1109253" y="2351314"/>
-            <a:ext cx="9973494" cy="2155372"/>
+        <p:spPr bwMode="auto">
+          <a:xfrm>
+            <a:off x="628747" y="671945"/>
+            <a:ext cx="10822034" cy="5071818"/>
           </a:xfrm>
           <a:prstGeom prst="rect">
             <a:avLst/>
           </a:prstGeom>
+          <a:noFill/>
+          <a:extLst>
+            <a:ext uri="{909E8E84-426E-40DD-AFC4-6F175D3DCCD1}">
+              <a14:hiddenFill xmlns:a14="http://schemas.microsoft.com/office/drawing/2010/main">
+                <a:solidFill>
+                  <a:srgbClr val="FFFFFF"/>
+                </a:solidFill>
+              </a14:hiddenFill>
+            </a:ext>
+          </a:extLst>
         </p:spPr>
       </p:pic>
     </p:spTree>
     <p:extLst>
       <p:ext uri="{BB962C8B-B14F-4D97-AF65-F5344CB8AC3E}">
-        <p14:creationId xmlns:p14="http://schemas.microsoft.com/office/powerpoint/2010/main" val="726406624"/>
+        <p14:creationId xmlns:p14="http://schemas.microsoft.com/office/powerpoint/2010/main" val="1634055728"/>
       </p:ext>
     </p:extLst>
   </p:cSld>
@@ -17007,10 +17016,10 @@
       </p:grpSpPr>
       <p:sp>
         <p:nvSpPr>
-          <p:cNvPr id="5" name="标题 4">
-            <a:extLst>
-              <a:ext uri="{FF2B5EF4-FFF2-40B4-BE49-F238E27FC236}">
-                <a16:creationId xmlns:a16="http://schemas.microsoft.com/office/drawing/2014/main" id="{1C7C72D1-2A93-4A60-B872-6B2F1C4B8C7A}"/>
+          <p:cNvPr id="7" name="标题 6">
+            <a:extLst>
+              <a:ext uri="{FF2B5EF4-FFF2-40B4-BE49-F238E27FC236}">
+                <a16:creationId xmlns:a16="http://schemas.microsoft.com/office/drawing/2014/main" id="{0E5687B6-2DF7-4069-A641-049E0B1343D3}"/>
               </a:ext>
             </a:extLst>
           </p:cNvPr>
@@ -17021,62 +17030,38 @@
             <p:ph type="title"/>
           </p:nvPr>
         </p:nvSpPr>
-        <p:spPr/>
+        <p:spPr>
+          <a:xfrm>
+            <a:off x="240941" y="365126"/>
+            <a:ext cx="11710118" cy="644278"/>
+          </a:xfrm>
+        </p:spPr>
         <p:txBody>
           <a:bodyPr/>
           <a:lstStyle/>
           <a:p>
             <a:r>
               <a:rPr lang="en-US" dirty="0"/>
-              <a:t>Home Page &lt;</a:t>
-            </a:r>
-            <a:r>
-              <a:rPr lang="en-US" dirty="0">
-                <a:hlinkClick r:id="rId2"/>
-              </a:rPr>
-              <a:t>https://www.calcite.apache.org</a:t>
-            </a:r>
-            <a:r>
-              <a:rPr lang="en-US" dirty="0"/>
-              <a:t>&gt;</a:t>
-            </a:r>
-          </a:p>
-        </p:txBody>
-      </p:sp>
-      <p:pic>
-        <p:nvPicPr>
-          <p:cNvPr id="9" name="内容占位符 8">
-            <a:extLst>
-              <a:ext uri="{FF2B5EF4-FFF2-40B4-BE49-F238E27FC236}">
-                <a16:creationId xmlns:a16="http://schemas.microsoft.com/office/drawing/2014/main" id="{B4A87D54-5A09-4C04-8613-A5441B0D25AA}"/>
-              </a:ext>
-            </a:extLst>
-          </p:cNvPr>
-          <p:cNvPicPr>
-            <a:picLocks noGrp="1" noChangeAspect="1"/>
-          </p:cNvPicPr>
-          <p:nvPr>
-            <p:ph idx="10"/>
-          </p:nvPr>
-        </p:nvPicPr>
-        <p:blipFill rotWithShape="1">
-          <a:blip r:embed="rId3"/>
-          <a:srcRect b="9514"/>
-          <a:stretch/>
-        </p:blipFill>
-        <p:spPr>
-          <a:xfrm>
-            <a:off x="0" y="959218"/>
-            <a:ext cx="12212126" cy="5072305"/>
-          </a:xfrm>
-        </p:spPr>
-      </p:pic>
-      <p:sp>
-        <p:nvSpPr>
-          <p:cNvPr id="4" name="页脚占位符 3">
-            <a:extLst>
-              <a:ext uri="{FF2B5EF4-FFF2-40B4-BE49-F238E27FC236}">
-                <a16:creationId xmlns:a16="http://schemas.microsoft.com/office/drawing/2014/main" id="{2534E824-82CD-4C12-8751-F8C03980E636}"/>
+              <a:t>R</a:t>
+            </a:r>
+            <a:r>
+              <a:rPr lang="en-US" altLang="zh-CN" dirty="0"/>
+              <a:t>elation Algebra – Union </a:t>
+            </a:r>
+            <a:r>
+              <a:rPr lang="zh-CN" altLang="en-US" dirty="0"/>
+              <a:t>∪</a:t>
+            </a:r>
+            <a:endParaRPr lang="en-US" sz="4000" dirty="0"/>
+          </a:p>
+        </p:txBody>
+      </p:sp>
+      <p:sp>
+        <p:nvSpPr>
+          <p:cNvPr id="5" name="页脚占位符 4">
+            <a:extLst>
+              <a:ext uri="{FF2B5EF4-FFF2-40B4-BE49-F238E27FC236}">
+                <a16:creationId xmlns:a16="http://schemas.microsoft.com/office/drawing/2014/main" id="{A7FC5878-D853-4C50-9A01-31C5BD7FA5E9}"/>
               </a:ext>
             </a:extLst>
           </p:cNvPr>
@@ -17097,15 +17082,7 @@
             </a:pPr>
             <a:r>
               <a:rPr lang="en-US"/>
-              <a:t>Copyright @ 2017 - 2023 A</a:t>
-            </a:r>
-            <a:r>
-              <a:rPr lang="en-US" altLang="zh-CN"/>
-              <a:t>aron</a:t>
-            </a:r>
-            <a:r>
-              <a:rPr lang="en-US"/>
-              <a:t>. All rights reserved.</a:t>
+              <a:t>Copyright @ 2017 - 2023 Aaron. All rights reserved.</a:t>
             </a:r>
             <a:endParaRPr lang="en-US" dirty="0"/>
           </a:p>
@@ -17113,10 +17090,10 @@
       </p:sp>
       <p:sp>
         <p:nvSpPr>
-          <p:cNvPr id="3" name="灯片编号占位符 2">
-            <a:extLst>
-              <a:ext uri="{FF2B5EF4-FFF2-40B4-BE49-F238E27FC236}">
-                <a16:creationId xmlns:a16="http://schemas.microsoft.com/office/drawing/2014/main" id="{BBDC7E3B-698F-438E-9F32-9FAFF2176F83}"/>
+          <p:cNvPr id="6" name="灯片编号占位符 5">
+            <a:extLst>
+              <a:ext uri="{FF2B5EF4-FFF2-40B4-BE49-F238E27FC236}">
+                <a16:creationId xmlns:a16="http://schemas.microsoft.com/office/drawing/2014/main" id="{DC96AD8A-4EF3-4592-B4B7-C56B58A18A3B}"/>
               </a:ext>
             </a:extLst>
           </p:cNvPr>
@@ -17135,7 +17112,7 @@
             <a:pPr>
               <a:defRPr/>
             </a:pPr>
-            <a:fld id="{45A1B3F3-60E0-6745-9FE6-9C4771689AE1}" type="slidenum">
+            <a:fld id="{7636629C-DB39-B44B-9452-4DC450D43CB3}" type="slidenum">
               <a:rPr lang="en-US" smtClean="0"/>
               <a:pPr>
                 <a:defRPr/>
@@ -17146,10 +17123,39 @@
           </a:p>
         </p:txBody>
       </p:sp>
+      <p:pic>
+        <p:nvPicPr>
+          <p:cNvPr id="9" name="图片 8">
+            <a:extLst>
+              <a:ext uri="{FF2B5EF4-FFF2-40B4-BE49-F238E27FC236}">
+                <a16:creationId xmlns:a16="http://schemas.microsoft.com/office/drawing/2014/main" id="{BEBB172A-0FA5-4F7D-BF83-3C9D8DC4F7DF}"/>
+              </a:ext>
+            </a:extLst>
+          </p:cNvPr>
+          <p:cNvPicPr>
+            <a:picLocks noChangeAspect="1"/>
+          </p:cNvPicPr>
+          <p:nvPr/>
+        </p:nvPicPr>
+        <p:blipFill rotWithShape="1">
+          <a:blip r:embed="rId2"/>
+          <a:srcRect t="9442"/>
+          <a:stretch/>
+        </p:blipFill>
+        <p:spPr>
+          <a:xfrm>
+            <a:off x="1819740" y="1165303"/>
+            <a:ext cx="8461684" cy="4773947"/>
+          </a:xfrm>
+          <a:prstGeom prst="rect">
+            <a:avLst/>
+          </a:prstGeom>
+        </p:spPr>
+      </p:pic>
     </p:spTree>
     <p:extLst>
       <p:ext uri="{BB962C8B-B14F-4D97-AF65-F5344CB8AC3E}">
-        <p14:creationId xmlns:p14="http://schemas.microsoft.com/office/powerpoint/2010/main" val="2079084383"/>
+        <p14:creationId xmlns:p14="http://schemas.microsoft.com/office/powerpoint/2010/main" val="860738319"/>
       </p:ext>
     </p:extLst>
   </p:cSld>
@@ -17192,52 +17198,32 @@
             <p:ph type="title"/>
           </p:nvPr>
         </p:nvSpPr>
-        <p:spPr/>
+        <p:spPr>
+          <a:xfrm>
+            <a:off x="240941" y="365126"/>
+            <a:ext cx="11710118" cy="644278"/>
+          </a:xfrm>
+        </p:spPr>
         <p:txBody>
           <a:bodyPr/>
           <a:lstStyle/>
           <a:p>
             <a:r>
               <a:rPr lang="en-US" dirty="0"/>
-              <a:t>Q</a:t>
+              <a:t>R</a:t>
             </a:r>
             <a:r>
               <a:rPr lang="en-US" altLang="zh-CN" dirty="0"/>
-              <a:t>uery Optimization</a:t>
-            </a:r>
-            <a:endParaRPr lang="en-US" dirty="0"/>
-          </a:p>
-        </p:txBody>
-      </p:sp>
-      <p:pic>
-        <p:nvPicPr>
-          <p:cNvPr id="10" name="内容占位符 9">
-            <a:extLst>
-              <a:ext uri="{FF2B5EF4-FFF2-40B4-BE49-F238E27FC236}">
-                <a16:creationId xmlns:a16="http://schemas.microsoft.com/office/drawing/2014/main" id="{C1FAB44B-649F-4586-BFD8-2AE6A8FE9780}"/>
-              </a:ext>
-            </a:extLst>
-          </p:cNvPr>
-          <p:cNvPicPr>
-            <a:picLocks noGrp="1" noChangeAspect="1"/>
-          </p:cNvPicPr>
-          <p:nvPr>
-            <p:ph idx="10"/>
-          </p:nvPr>
-        </p:nvPicPr>
-        <p:blipFill>
-          <a:blip r:embed="rId2"/>
-          <a:stretch>
-            <a:fillRect/>
-          </a:stretch>
-        </p:blipFill>
-        <p:spPr>
-          <a:xfrm>
-            <a:off x="952769" y="2315831"/>
-            <a:ext cx="10286462" cy="2447000"/>
-          </a:xfrm>
-        </p:spPr>
-      </p:pic>
+              <a:t>elation Algebra – Cartesian Product  </a:t>
+            </a:r>
+            <a:r>
+              <a:rPr lang="en-US" dirty="0"/>
+              <a:t>X</a:t>
+            </a:r>
+            <a:endParaRPr lang="en-US" sz="4000" dirty="0"/>
+          </a:p>
+        </p:txBody>
+      </p:sp>
       <p:sp>
         <p:nvSpPr>
           <p:cNvPr id="5" name="页脚占位符 4">
@@ -17305,10 +17291,69 @@
           </a:p>
         </p:txBody>
       </p:sp>
+      <p:pic>
+        <p:nvPicPr>
+          <p:cNvPr id="9" name="图片 8">
+            <a:extLst>
+              <a:ext uri="{FF2B5EF4-FFF2-40B4-BE49-F238E27FC236}">
+                <a16:creationId xmlns:a16="http://schemas.microsoft.com/office/drawing/2014/main" id="{BEBB172A-0FA5-4F7D-BF83-3C9D8DC4F7DF}"/>
+              </a:ext>
+            </a:extLst>
+          </p:cNvPr>
+          <p:cNvPicPr>
+            <a:picLocks noChangeAspect="1"/>
+          </p:cNvPicPr>
+          <p:nvPr/>
+        </p:nvPicPr>
+        <p:blipFill rotWithShape="1">
+          <a:blip r:embed="rId2"/>
+          <a:srcRect t="9442" b="17534"/>
+          <a:stretch/>
+        </p:blipFill>
+        <p:spPr>
+          <a:xfrm>
+            <a:off x="1819740" y="1510993"/>
+            <a:ext cx="8461684" cy="3849609"/>
+          </a:xfrm>
+          <a:prstGeom prst="rect">
+            <a:avLst/>
+          </a:prstGeom>
+        </p:spPr>
+      </p:pic>
+      <p:pic>
+        <p:nvPicPr>
+          <p:cNvPr id="2" name="图片 1">
+            <a:extLst>
+              <a:ext uri="{FF2B5EF4-FFF2-40B4-BE49-F238E27FC236}">
+                <a16:creationId xmlns:a16="http://schemas.microsoft.com/office/drawing/2014/main" id="{CB57B069-701F-4027-B079-71F24B7465AD}"/>
+              </a:ext>
+            </a:extLst>
+          </p:cNvPr>
+          <p:cNvPicPr>
+            <a:picLocks noChangeAspect="1"/>
+          </p:cNvPicPr>
+          <p:nvPr/>
+        </p:nvPicPr>
+        <p:blipFill>
+          <a:blip r:embed="rId3"/>
+          <a:stretch>
+            <a:fillRect/>
+          </a:stretch>
+        </p:blipFill>
+        <p:spPr>
+          <a:xfrm>
+            <a:off x="1953903" y="3560377"/>
+            <a:ext cx="8115300" cy="1800225"/>
+          </a:xfrm>
+          <a:prstGeom prst="rect">
+            <a:avLst/>
+          </a:prstGeom>
+        </p:spPr>
+      </p:pic>
     </p:spTree>
     <p:extLst>
       <p:ext uri="{BB962C8B-B14F-4D97-AF65-F5344CB8AC3E}">
-        <p14:creationId xmlns:p14="http://schemas.microsoft.com/office/powerpoint/2010/main" val="1060378687"/>
+        <p14:creationId xmlns:p14="http://schemas.microsoft.com/office/powerpoint/2010/main" val="619430007"/>
       </p:ext>
     </p:extLst>
   </p:cSld>
@@ -17351,20 +17396,29 @@
             <p:ph type="title"/>
           </p:nvPr>
         </p:nvSpPr>
-        <p:spPr/>
+        <p:spPr>
+          <a:xfrm>
+            <a:off x="240941" y="365126"/>
+            <a:ext cx="11710118" cy="644278"/>
+          </a:xfrm>
+        </p:spPr>
         <p:txBody>
           <a:bodyPr/>
           <a:lstStyle/>
           <a:p>
             <a:r>
               <a:rPr lang="en-US" dirty="0"/>
-              <a:t>Q</a:t>
+              <a:t>R</a:t>
             </a:r>
             <a:r>
               <a:rPr lang="en-US" altLang="zh-CN" dirty="0"/>
-              <a:t>uery Optimization</a:t>
-            </a:r>
-            <a:endParaRPr lang="en-US" dirty="0"/>
+              <a:t>elation Algebra – Set Difference  </a:t>
+            </a:r>
+            <a:r>
+              <a:rPr lang="en-US" altLang="zh-CN" sz="4000" dirty="0"/>
+              <a:t>-</a:t>
+            </a:r>
+            <a:endParaRPr lang="en-US" sz="4000" dirty="0"/>
           </a:p>
         </p:txBody>
       </p:sp>
@@ -17430,6 +17484,1885 @@
                 <a:defRPr/>
               </a:pPr>
               <a:t>13</a:t>
+            </a:fld>
+            <a:endParaRPr lang="en-US" dirty="0"/>
+          </a:p>
+        </p:txBody>
+      </p:sp>
+      <p:pic>
+        <p:nvPicPr>
+          <p:cNvPr id="9" name="图片 8">
+            <a:extLst>
+              <a:ext uri="{FF2B5EF4-FFF2-40B4-BE49-F238E27FC236}">
+                <a16:creationId xmlns:a16="http://schemas.microsoft.com/office/drawing/2014/main" id="{BEBB172A-0FA5-4F7D-BF83-3C9D8DC4F7DF}"/>
+              </a:ext>
+            </a:extLst>
+          </p:cNvPr>
+          <p:cNvPicPr>
+            <a:picLocks noChangeAspect="1"/>
+          </p:cNvPicPr>
+          <p:nvPr/>
+        </p:nvPicPr>
+        <p:blipFill rotWithShape="1">
+          <a:blip r:embed="rId2"/>
+          <a:srcRect t="9442"/>
+          <a:stretch/>
+        </p:blipFill>
+        <p:spPr>
+          <a:xfrm>
+            <a:off x="1819740" y="1165303"/>
+            <a:ext cx="8461684" cy="4773947"/>
+          </a:xfrm>
+          <a:prstGeom prst="rect">
+            <a:avLst/>
+          </a:prstGeom>
+        </p:spPr>
+      </p:pic>
+      <p:pic>
+        <p:nvPicPr>
+          <p:cNvPr id="2" name="图片 1">
+            <a:extLst>
+              <a:ext uri="{FF2B5EF4-FFF2-40B4-BE49-F238E27FC236}">
+                <a16:creationId xmlns:a16="http://schemas.microsoft.com/office/drawing/2014/main" id="{B1A80A1A-3503-4634-ADCE-4F5237E139BD}"/>
+              </a:ext>
+            </a:extLst>
+          </p:cNvPr>
+          <p:cNvPicPr>
+            <a:picLocks noChangeAspect="1"/>
+          </p:cNvPicPr>
+          <p:nvPr/>
+        </p:nvPicPr>
+        <p:blipFill>
+          <a:blip r:embed="rId3"/>
+          <a:stretch>
+            <a:fillRect/>
+          </a:stretch>
+        </p:blipFill>
+        <p:spPr>
+          <a:xfrm>
+            <a:off x="1560496" y="3269050"/>
+            <a:ext cx="8967804" cy="2596492"/>
+          </a:xfrm>
+          <a:prstGeom prst="rect">
+            <a:avLst/>
+          </a:prstGeom>
+        </p:spPr>
+      </p:pic>
+    </p:spTree>
+    <p:extLst>
+      <p:ext uri="{BB962C8B-B14F-4D97-AF65-F5344CB8AC3E}">
+        <p14:creationId xmlns:p14="http://schemas.microsoft.com/office/powerpoint/2010/main" val="2499899807"/>
+      </p:ext>
+    </p:extLst>
+  </p:cSld>
+  <p:clrMapOvr>
+    <a:masterClrMapping/>
+  </p:clrMapOvr>
+</p:sld>
+</file>
+
+<file path=ppt/slides/slide14.xml><?xml version="1.0" encoding="utf-8"?>
+<p:sld xmlns:a="http://schemas.openxmlformats.org/drawingml/2006/main" xmlns:r="http://schemas.openxmlformats.org/officeDocument/2006/relationships" xmlns:p="http://schemas.openxmlformats.org/presentationml/2006/main">
+  <p:cSld>
+    <p:spTree>
+      <p:nvGrpSpPr>
+        <p:cNvPr id="1" name=""/>
+        <p:cNvGrpSpPr/>
+        <p:nvPr/>
+      </p:nvGrpSpPr>
+      <p:grpSpPr>
+        <a:xfrm>
+          <a:off x="0" y="0"/>
+          <a:ext cx="0" cy="0"/>
+          <a:chOff x="0" y="0"/>
+          <a:chExt cx="0" cy="0"/>
+        </a:xfrm>
+      </p:grpSpPr>
+      <p:sp>
+        <p:nvSpPr>
+          <p:cNvPr id="5" name="页脚占位符 4">
+            <a:extLst>
+              <a:ext uri="{FF2B5EF4-FFF2-40B4-BE49-F238E27FC236}">
+                <a16:creationId xmlns:a16="http://schemas.microsoft.com/office/drawing/2014/main" id="{A7FC5878-D853-4C50-9A01-31C5BD7FA5E9}"/>
+              </a:ext>
+            </a:extLst>
+          </p:cNvPr>
+          <p:cNvSpPr>
+            <a:spLocks noGrp="1"/>
+          </p:cNvSpPr>
+          <p:nvPr>
+            <p:ph type="ftr" sz="quarter" idx="11"/>
+          </p:nvPr>
+        </p:nvSpPr>
+        <p:spPr/>
+        <p:txBody>
+          <a:bodyPr/>
+          <a:lstStyle/>
+          <a:p>
+            <a:pPr>
+              <a:defRPr/>
+            </a:pPr>
+            <a:r>
+              <a:rPr lang="en-US"/>
+              <a:t>Copyright @ 2017 - 2023 Aaron. All rights reserved.</a:t>
+            </a:r>
+            <a:endParaRPr lang="en-US" dirty="0"/>
+          </a:p>
+        </p:txBody>
+      </p:sp>
+      <p:sp>
+        <p:nvSpPr>
+          <p:cNvPr id="6" name="灯片编号占位符 5">
+            <a:extLst>
+              <a:ext uri="{FF2B5EF4-FFF2-40B4-BE49-F238E27FC236}">
+                <a16:creationId xmlns:a16="http://schemas.microsoft.com/office/drawing/2014/main" id="{DC96AD8A-4EF3-4592-B4B7-C56B58A18A3B}"/>
+              </a:ext>
+            </a:extLst>
+          </p:cNvPr>
+          <p:cNvSpPr>
+            <a:spLocks noGrp="1"/>
+          </p:cNvSpPr>
+          <p:nvPr>
+            <p:ph type="sldNum" sz="quarter" idx="12"/>
+          </p:nvPr>
+        </p:nvSpPr>
+        <p:spPr/>
+        <p:txBody>
+          <a:bodyPr/>
+          <a:lstStyle/>
+          <a:p>
+            <a:pPr>
+              <a:defRPr/>
+            </a:pPr>
+            <a:fld id="{7636629C-DB39-B44B-9452-4DC450D43CB3}" type="slidenum">
+              <a:rPr lang="en-US" smtClean="0"/>
+              <a:pPr>
+                <a:defRPr/>
+              </a:pPr>
+              <a:t>14</a:t>
+            </a:fld>
+            <a:endParaRPr lang="en-US" dirty="0"/>
+          </a:p>
+        </p:txBody>
+      </p:sp>
+      <p:pic>
+        <p:nvPicPr>
+          <p:cNvPr id="1026" name="Picture 2" descr="Introduction to Relational Algebra » CS Taleem">
+            <a:extLst>
+              <a:ext uri="{FF2B5EF4-FFF2-40B4-BE49-F238E27FC236}">
+                <a16:creationId xmlns:a16="http://schemas.microsoft.com/office/drawing/2014/main" id="{7E8EEF37-856B-4A0A-B74A-E6613A1D207D}"/>
+              </a:ext>
+            </a:extLst>
+          </p:cNvPr>
+          <p:cNvPicPr>
+            <a:picLocks noChangeAspect="1" noChangeArrowheads="1"/>
+          </p:cNvPicPr>
+          <p:nvPr/>
+        </p:nvPicPr>
+        <p:blipFill>
+          <a:blip r:embed="rId2">
+            <a:extLst>
+              <a:ext uri="{28A0092B-C50C-407E-A947-70E740481C1C}">
+                <a14:useLocalDpi xmlns:a14="http://schemas.microsoft.com/office/drawing/2010/main" val="0"/>
+              </a:ext>
+            </a:extLst>
+          </a:blip>
+          <a:srcRect/>
+          <a:stretch>
+            <a:fillRect/>
+          </a:stretch>
+        </p:blipFill>
+        <p:spPr bwMode="auto">
+          <a:xfrm>
+            <a:off x="628747" y="671945"/>
+            <a:ext cx="10822034" cy="5071818"/>
+          </a:xfrm>
+          <a:prstGeom prst="rect">
+            <a:avLst/>
+          </a:prstGeom>
+          <a:noFill/>
+          <a:extLst>
+            <a:ext uri="{909E8E84-426E-40DD-AFC4-6F175D3DCCD1}">
+              <a14:hiddenFill xmlns:a14="http://schemas.microsoft.com/office/drawing/2010/main">
+                <a:solidFill>
+                  <a:srgbClr val="FFFFFF"/>
+                </a:solidFill>
+              </a14:hiddenFill>
+            </a:ext>
+          </a:extLst>
+        </p:spPr>
+      </p:pic>
+    </p:spTree>
+    <p:extLst>
+      <p:ext uri="{BB962C8B-B14F-4D97-AF65-F5344CB8AC3E}">
+        <p14:creationId xmlns:p14="http://schemas.microsoft.com/office/powerpoint/2010/main" val="2764458832"/>
+      </p:ext>
+    </p:extLst>
+  </p:cSld>
+  <p:clrMapOvr>
+    <a:masterClrMapping/>
+  </p:clrMapOvr>
+</p:sld>
+</file>
+
+<file path=ppt/slides/slide15.xml><?xml version="1.0" encoding="utf-8"?>
+<p:sld xmlns:a="http://schemas.openxmlformats.org/drawingml/2006/main" xmlns:r="http://schemas.openxmlformats.org/officeDocument/2006/relationships" xmlns:p="http://schemas.openxmlformats.org/presentationml/2006/main">
+  <p:cSld>
+    <p:spTree>
+      <p:nvGrpSpPr>
+        <p:cNvPr id="1" name=""/>
+        <p:cNvGrpSpPr/>
+        <p:nvPr/>
+      </p:nvGrpSpPr>
+      <p:grpSpPr>
+        <a:xfrm>
+          <a:off x="0" y="0"/>
+          <a:ext cx="0" cy="0"/>
+          <a:chOff x="0" y="0"/>
+          <a:chExt cx="0" cy="0"/>
+        </a:xfrm>
+      </p:grpSpPr>
+      <p:sp>
+        <p:nvSpPr>
+          <p:cNvPr id="7" name="标题 6">
+            <a:extLst>
+              <a:ext uri="{FF2B5EF4-FFF2-40B4-BE49-F238E27FC236}">
+                <a16:creationId xmlns:a16="http://schemas.microsoft.com/office/drawing/2014/main" id="{0E5687B6-2DF7-4069-A641-049E0B1343D3}"/>
+              </a:ext>
+            </a:extLst>
+          </p:cNvPr>
+          <p:cNvSpPr>
+            <a:spLocks noGrp="1"/>
+          </p:cNvSpPr>
+          <p:nvPr>
+            <p:ph type="title"/>
+          </p:nvPr>
+        </p:nvSpPr>
+        <p:spPr>
+          <a:xfrm>
+            <a:off x="240941" y="365126"/>
+            <a:ext cx="11710118" cy="644278"/>
+          </a:xfrm>
+        </p:spPr>
+        <p:txBody>
+          <a:bodyPr/>
+          <a:lstStyle/>
+          <a:p>
+            <a:r>
+              <a:rPr lang="en-US" dirty="0"/>
+              <a:t>R</a:t>
+            </a:r>
+            <a:r>
+              <a:rPr lang="en-US" altLang="zh-CN" dirty="0"/>
+              <a:t>elation Algebra – Join </a:t>
+            </a:r>
+            <a:endParaRPr lang="en-US" dirty="0"/>
+          </a:p>
+        </p:txBody>
+      </p:sp>
+      <p:sp>
+        <p:nvSpPr>
+          <p:cNvPr id="5" name="页脚占位符 4">
+            <a:extLst>
+              <a:ext uri="{FF2B5EF4-FFF2-40B4-BE49-F238E27FC236}">
+                <a16:creationId xmlns:a16="http://schemas.microsoft.com/office/drawing/2014/main" id="{A7FC5878-D853-4C50-9A01-31C5BD7FA5E9}"/>
+              </a:ext>
+            </a:extLst>
+          </p:cNvPr>
+          <p:cNvSpPr>
+            <a:spLocks noGrp="1"/>
+          </p:cNvSpPr>
+          <p:nvPr>
+            <p:ph type="ftr" sz="quarter" idx="11"/>
+          </p:nvPr>
+        </p:nvSpPr>
+        <p:spPr/>
+        <p:txBody>
+          <a:bodyPr/>
+          <a:lstStyle/>
+          <a:p>
+            <a:pPr>
+              <a:defRPr/>
+            </a:pPr>
+            <a:r>
+              <a:rPr lang="en-US"/>
+              <a:t>Copyright @ 2017 - 2023 Aaron. All rights reserved.</a:t>
+            </a:r>
+            <a:endParaRPr lang="en-US" dirty="0"/>
+          </a:p>
+        </p:txBody>
+      </p:sp>
+      <p:sp>
+        <p:nvSpPr>
+          <p:cNvPr id="6" name="灯片编号占位符 5">
+            <a:extLst>
+              <a:ext uri="{FF2B5EF4-FFF2-40B4-BE49-F238E27FC236}">
+                <a16:creationId xmlns:a16="http://schemas.microsoft.com/office/drawing/2014/main" id="{DC96AD8A-4EF3-4592-B4B7-C56B58A18A3B}"/>
+              </a:ext>
+            </a:extLst>
+          </p:cNvPr>
+          <p:cNvSpPr>
+            <a:spLocks noGrp="1"/>
+          </p:cNvSpPr>
+          <p:nvPr>
+            <p:ph type="sldNum" sz="quarter" idx="12"/>
+          </p:nvPr>
+        </p:nvSpPr>
+        <p:spPr/>
+        <p:txBody>
+          <a:bodyPr/>
+          <a:lstStyle/>
+          <a:p>
+            <a:pPr>
+              <a:defRPr/>
+            </a:pPr>
+            <a:fld id="{7636629C-DB39-B44B-9452-4DC450D43CB3}" type="slidenum">
+              <a:rPr lang="en-US" smtClean="0"/>
+              <a:pPr>
+                <a:defRPr/>
+              </a:pPr>
+              <a:t>15</a:t>
+            </a:fld>
+            <a:endParaRPr lang="en-US" dirty="0"/>
+          </a:p>
+        </p:txBody>
+      </p:sp>
+      <p:pic>
+        <p:nvPicPr>
+          <p:cNvPr id="4" name="图片 3">
+            <a:extLst>
+              <a:ext uri="{FF2B5EF4-FFF2-40B4-BE49-F238E27FC236}">
+                <a16:creationId xmlns:a16="http://schemas.microsoft.com/office/drawing/2014/main" id="{77B6B80E-7070-47D4-A252-72FFE43A5C62}"/>
+              </a:ext>
+            </a:extLst>
+          </p:cNvPr>
+          <p:cNvPicPr>
+            <a:picLocks noChangeAspect="1"/>
+          </p:cNvPicPr>
+          <p:nvPr/>
+        </p:nvPicPr>
+        <p:blipFill>
+          <a:blip r:embed="rId2"/>
+          <a:stretch>
+            <a:fillRect/>
+          </a:stretch>
+        </p:blipFill>
+        <p:spPr>
+          <a:xfrm>
+            <a:off x="2791521" y="1147879"/>
+            <a:ext cx="6084849" cy="4252480"/>
+          </a:xfrm>
+          <a:prstGeom prst="rect">
+            <a:avLst/>
+          </a:prstGeom>
+        </p:spPr>
+      </p:pic>
+    </p:spTree>
+    <p:extLst>
+      <p:ext uri="{BB962C8B-B14F-4D97-AF65-F5344CB8AC3E}">
+        <p14:creationId xmlns:p14="http://schemas.microsoft.com/office/powerpoint/2010/main" val="2090765330"/>
+      </p:ext>
+    </p:extLst>
+  </p:cSld>
+  <p:clrMapOvr>
+    <a:masterClrMapping/>
+  </p:clrMapOvr>
+</p:sld>
+</file>
+
+<file path=ppt/slides/slide16.xml><?xml version="1.0" encoding="utf-8"?>
+<p:sld xmlns:a="http://schemas.openxmlformats.org/drawingml/2006/main" xmlns:r="http://schemas.openxmlformats.org/officeDocument/2006/relationships" xmlns:p="http://schemas.openxmlformats.org/presentationml/2006/main">
+  <p:cSld>
+    <p:spTree>
+      <p:nvGrpSpPr>
+        <p:cNvPr id="1" name=""/>
+        <p:cNvGrpSpPr/>
+        <p:nvPr/>
+      </p:nvGrpSpPr>
+      <p:grpSpPr>
+        <a:xfrm>
+          <a:off x="0" y="0"/>
+          <a:ext cx="0" cy="0"/>
+          <a:chOff x="0" y="0"/>
+          <a:chExt cx="0" cy="0"/>
+        </a:xfrm>
+      </p:grpSpPr>
+      <p:sp>
+        <p:nvSpPr>
+          <p:cNvPr id="7" name="标题 6">
+            <a:extLst>
+              <a:ext uri="{FF2B5EF4-FFF2-40B4-BE49-F238E27FC236}">
+                <a16:creationId xmlns:a16="http://schemas.microsoft.com/office/drawing/2014/main" id="{0E5687B6-2DF7-4069-A641-049E0B1343D3}"/>
+              </a:ext>
+            </a:extLst>
+          </p:cNvPr>
+          <p:cNvSpPr>
+            <a:spLocks noGrp="1"/>
+          </p:cNvSpPr>
+          <p:nvPr>
+            <p:ph type="title"/>
+          </p:nvPr>
+        </p:nvSpPr>
+        <p:spPr>
+          <a:xfrm>
+            <a:off x="240941" y="365126"/>
+            <a:ext cx="11710118" cy="644278"/>
+          </a:xfrm>
+        </p:spPr>
+        <p:txBody>
+          <a:bodyPr/>
+          <a:lstStyle/>
+          <a:p>
+            <a:r>
+              <a:rPr lang="en-US" dirty="0"/>
+              <a:t>R</a:t>
+            </a:r>
+            <a:r>
+              <a:rPr lang="en-US" altLang="zh-CN" dirty="0"/>
+              <a:t>elation Algebra – </a:t>
+            </a:r>
+            <a:r>
+              <a:rPr lang="en-US" altLang="zh-CN"/>
+              <a:t>Division  </a:t>
+            </a:r>
+            <a:r>
+              <a:rPr lang="en-US" altLang="zh-CN" b="0"/>
+              <a:t>÷</a:t>
+            </a:r>
+            <a:endParaRPr lang="en-US" sz="4000" dirty="0"/>
+          </a:p>
+        </p:txBody>
+      </p:sp>
+      <p:sp>
+        <p:nvSpPr>
+          <p:cNvPr id="5" name="页脚占位符 4">
+            <a:extLst>
+              <a:ext uri="{FF2B5EF4-FFF2-40B4-BE49-F238E27FC236}">
+                <a16:creationId xmlns:a16="http://schemas.microsoft.com/office/drawing/2014/main" id="{A7FC5878-D853-4C50-9A01-31C5BD7FA5E9}"/>
+              </a:ext>
+            </a:extLst>
+          </p:cNvPr>
+          <p:cNvSpPr>
+            <a:spLocks noGrp="1"/>
+          </p:cNvSpPr>
+          <p:nvPr>
+            <p:ph type="ftr" sz="quarter" idx="11"/>
+          </p:nvPr>
+        </p:nvSpPr>
+        <p:spPr/>
+        <p:txBody>
+          <a:bodyPr/>
+          <a:lstStyle/>
+          <a:p>
+            <a:pPr>
+              <a:defRPr/>
+            </a:pPr>
+            <a:r>
+              <a:rPr lang="en-US"/>
+              <a:t>Copyright @ 2017 - 2023 Aaron. All rights reserved.</a:t>
+            </a:r>
+            <a:endParaRPr lang="en-US" dirty="0"/>
+          </a:p>
+        </p:txBody>
+      </p:sp>
+      <p:sp>
+        <p:nvSpPr>
+          <p:cNvPr id="6" name="灯片编号占位符 5">
+            <a:extLst>
+              <a:ext uri="{FF2B5EF4-FFF2-40B4-BE49-F238E27FC236}">
+                <a16:creationId xmlns:a16="http://schemas.microsoft.com/office/drawing/2014/main" id="{DC96AD8A-4EF3-4592-B4B7-C56B58A18A3B}"/>
+              </a:ext>
+            </a:extLst>
+          </p:cNvPr>
+          <p:cNvSpPr>
+            <a:spLocks noGrp="1"/>
+          </p:cNvSpPr>
+          <p:nvPr>
+            <p:ph type="sldNum" sz="quarter" idx="12"/>
+          </p:nvPr>
+        </p:nvSpPr>
+        <p:spPr/>
+        <p:txBody>
+          <a:bodyPr/>
+          <a:lstStyle/>
+          <a:p>
+            <a:pPr>
+              <a:defRPr/>
+            </a:pPr>
+            <a:fld id="{7636629C-DB39-B44B-9452-4DC450D43CB3}" type="slidenum">
+              <a:rPr lang="en-US" smtClean="0"/>
+              <a:pPr>
+                <a:defRPr/>
+              </a:pPr>
+              <a:t>16</a:t>
+            </a:fld>
+            <a:endParaRPr lang="en-US" dirty="0"/>
+          </a:p>
+        </p:txBody>
+      </p:sp>
+      <p:pic>
+        <p:nvPicPr>
+          <p:cNvPr id="9" name="图片 8">
+            <a:extLst>
+              <a:ext uri="{FF2B5EF4-FFF2-40B4-BE49-F238E27FC236}">
+                <a16:creationId xmlns:a16="http://schemas.microsoft.com/office/drawing/2014/main" id="{BEBB172A-0FA5-4F7D-BF83-3C9D8DC4F7DF}"/>
+              </a:ext>
+            </a:extLst>
+          </p:cNvPr>
+          <p:cNvPicPr>
+            <a:picLocks noChangeAspect="1"/>
+          </p:cNvPicPr>
+          <p:nvPr/>
+        </p:nvPicPr>
+        <p:blipFill rotWithShape="1">
+          <a:blip r:embed="rId2"/>
+          <a:srcRect t="9442" b="4677"/>
+          <a:stretch/>
+        </p:blipFill>
+        <p:spPr>
+          <a:xfrm>
+            <a:off x="1819740" y="1165304"/>
+            <a:ext cx="8461684" cy="4527394"/>
+          </a:xfrm>
+          <a:prstGeom prst="rect">
+            <a:avLst/>
+          </a:prstGeom>
+        </p:spPr>
+      </p:pic>
+      <p:pic>
+        <p:nvPicPr>
+          <p:cNvPr id="2" name="图片 1">
+            <a:extLst>
+              <a:ext uri="{FF2B5EF4-FFF2-40B4-BE49-F238E27FC236}">
+                <a16:creationId xmlns:a16="http://schemas.microsoft.com/office/drawing/2014/main" id="{4E71AB00-7282-497C-993E-601546F73529}"/>
+              </a:ext>
+            </a:extLst>
+          </p:cNvPr>
+          <p:cNvPicPr>
+            <a:picLocks noChangeAspect="1"/>
+          </p:cNvPicPr>
+          <p:nvPr/>
+        </p:nvPicPr>
+        <p:blipFill>
+          <a:blip r:embed="rId3"/>
+          <a:stretch>
+            <a:fillRect/>
+          </a:stretch>
+        </p:blipFill>
+        <p:spPr>
+          <a:xfrm>
+            <a:off x="1910576" y="3304825"/>
+            <a:ext cx="8294200" cy="2387872"/>
+          </a:xfrm>
+          <a:prstGeom prst="rect">
+            <a:avLst/>
+          </a:prstGeom>
+        </p:spPr>
+      </p:pic>
+    </p:spTree>
+    <p:extLst>
+      <p:ext uri="{BB962C8B-B14F-4D97-AF65-F5344CB8AC3E}">
+        <p14:creationId xmlns:p14="http://schemas.microsoft.com/office/powerpoint/2010/main" val="482194993"/>
+      </p:ext>
+    </p:extLst>
+  </p:cSld>
+  <p:clrMapOvr>
+    <a:masterClrMapping/>
+  </p:clrMapOvr>
+</p:sld>
+</file>
+
+<file path=ppt/slides/slide17.xml><?xml version="1.0" encoding="utf-8"?>
+<p:sld xmlns:a="http://schemas.openxmlformats.org/drawingml/2006/main" xmlns:r="http://schemas.openxmlformats.org/officeDocument/2006/relationships" xmlns:p="http://schemas.openxmlformats.org/presentationml/2006/main">
+  <p:cSld>
+    <p:spTree>
+      <p:nvGrpSpPr>
+        <p:cNvPr id="1" name=""/>
+        <p:cNvGrpSpPr/>
+        <p:nvPr/>
+      </p:nvGrpSpPr>
+      <p:grpSpPr>
+        <a:xfrm>
+          <a:off x="0" y="0"/>
+          <a:ext cx="0" cy="0"/>
+          <a:chOff x="0" y="0"/>
+          <a:chExt cx="0" cy="0"/>
+        </a:xfrm>
+      </p:grpSpPr>
+      <p:sp>
+        <p:nvSpPr>
+          <p:cNvPr id="7" name="标题 6">
+            <a:extLst>
+              <a:ext uri="{FF2B5EF4-FFF2-40B4-BE49-F238E27FC236}">
+                <a16:creationId xmlns:a16="http://schemas.microsoft.com/office/drawing/2014/main" id="{0E5687B6-2DF7-4069-A641-049E0B1343D3}"/>
+              </a:ext>
+            </a:extLst>
+          </p:cNvPr>
+          <p:cNvSpPr>
+            <a:spLocks noGrp="1"/>
+          </p:cNvSpPr>
+          <p:nvPr>
+            <p:ph type="title"/>
+          </p:nvPr>
+        </p:nvSpPr>
+        <p:spPr>
+          <a:xfrm>
+            <a:off x="240941" y="365126"/>
+            <a:ext cx="11710118" cy="644278"/>
+          </a:xfrm>
+        </p:spPr>
+        <p:txBody>
+          <a:bodyPr/>
+          <a:lstStyle/>
+          <a:p>
+            <a:r>
+              <a:rPr lang="en-US" dirty="0"/>
+              <a:t>R</a:t>
+            </a:r>
+            <a:r>
+              <a:rPr lang="en-US" altLang="zh-CN" dirty="0"/>
+              <a:t>elation Algebra – Intersection  </a:t>
+            </a:r>
+            <a:r>
+              <a:rPr lang="zh-CN" altLang="en-US" b="0" dirty="0"/>
+              <a:t>∩</a:t>
+            </a:r>
+            <a:endParaRPr lang="en-US" sz="4000" dirty="0"/>
+          </a:p>
+        </p:txBody>
+      </p:sp>
+      <p:sp>
+        <p:nvSpPr>
+          <p:cNvPr id="5" name="页脚占位符 4">
+            <a:extLst>
+              <a:ext uri="{FF2B5EF4-FFF2-40B4-BE49-F238E27FC236}">
+                <a16:creationId xmlns:a16="http://schemas.microsoft.com/office/drawing/2014/main" id="{A7FC5878-D853-4C50-9A01-31C5BD7FA5E9}"/>
+              </a:ext>
+            </a:extLst>
+          </p:cNvPr>
+          <p:cNvSpPr>
+            <a:spLocks noGrp="1"/>
+          </p:cNvSpPr>
+          <p:nvPr>
+            <p:ph type="ftr" sz="quarter" idx="11"/>
+          </p:nvPr>
+        </p:nvSpPr>
+        <p:spPr/>
+        <p:txBody>
+          <a:bodyPr/>
+          <a:lstStyle/>
+          <a:p>
+            <a:pPr>
+              <a:defRPr/>
+            </a:pPr>
+            <a:r>
+              <a:rPr lang="en-US"/>
+              <a:t>Copyright @ 2017 - 2023 Aaron. All rights reserved.</a:t>
+            </a:r>
+            <a:endParaRPr lang="en-US" dirty="0"/>
+          </a:p>
+        </p:txBody>
+      </p:sp>
+      <p:sp>
+        <p:nvSpPr>
+          <p:cNvPr id="6" name="灯片编号占位符 5">
+            <a:extLst>
+              <a:ext uri="{FF2B5EF4-FFF2-40B4-BE49-F238E27FC236}">
+                <a16:creationId xmlns:a16="http://schemas.microsoft.com/office/drawing/2014/main" id="{DC96AD8A-4EF3-4592-B4B7-C56B58A18A3B}"/>
+              </a:ext>
+            </a:extLst>
+          </p:cNvPr>
+          <p:cNvSpPr>
+            <a:spLocks noGrp="1"/>
+          </p:cNvSpPr>
+          <p:nvPr>
+            <p:ph type="sldNum" sz="quarter" idx="12"/>
+          </p:nvPr>
+        </p:nvSpPr>
+        <p:spPr/>
+        <p:txBody>
+          <a:bodyPr/>
+          <a:lstStyle/>
+          <a:p>
+            <a:pPr>
+              <a:defRPr/>
+            </a:pPr>
+            <a:fld id="{7636629C-DB39-B44B-9452-4DC450D43CB3}" type="slidenum">
+              <a:rPr lang="en-US" smtClean="0"/>
+              <a:pPr>
+                <a:defRPr/>
+              </a:pPr>
+              <a:t>17</a:t>
+            </a:fld>
+            <a:endParaRPr lang="en-US" dirty="0"/>
+          </a:p>
+        </p:txBody>
+      </p:sp>
+      <p:pic>
+        <p:nvPicPr>
+          <p:cNvPr id="9" name="图片 8">
+            <a:extLst>
+              <a:ext uri="{FF2B5EF4-FFF2-40B4-BE49-F238E27FC236}">
+                <a16:creationId xmlns:a16="http://schemas.microsoft.com/office/drawing/2014/main" id="{BEBB172A-0FA5-4F7D-BF83-3C9D8DC4F7DF}"/>
+              </a:ext>
+            </a:extLst>
+          </p:cNvPr>
+          <p:cNvPicPr>
+            <a:picLocks noChangeAspect="1"/>
+          </p:cNvPicPr>
+          <p:nvPr/>
+        </p:nvPicPr>
+        <p:blipFill rotWithShape="1">
+          <a:blip r:embed="rId2"/>
+          <a:srcRect t="9442" b="4677"/>
+          <a:stretch/>
+        </p:blipFill>
+        <p:spPr>
+          <a:xfrm>
+            <a:off x="1819740" y="1165304"/>
+            <a:ext cx="8461684" cy="4527394"/>
+          </a:xfrm>
+          <a:prstGeom prst="rect">
+            <a:avLst/>
+          </a:prstGeom>
+        </p:spPr>
+      </p:pic>
+      <p:pic>
+        <p:nvPicPr>
+          <p:cNvPr id="2" name="图片 1">
+            <a:extLst>
+              <a:ext uri="{FF2B5EF4-FFF2-40B4-BE49-F238E27FC236}">
+                <a16:creationId xmlns:a16="http://schemas.microsoft.com/office/drawing/2014/main" id="{4E71AB00-7282-497C-993E-601546F73529}"/>
+              </a:ext>
+            </a:extLst>
+          </p:cNvPr>
+          <p:cNvPicPr>
+            <a:picLocks noChangeAspect="1"/>
+          </p:cNvPicPr>
+          <p:nvPr/>
+        </p:nvPicPr>
+        <p:blipFill>
+          <a:blip r:embed="rId3"/>
+          <a:stretch>
+            <a:fillRect/>
+          </a:stretch>
+        </p:blipFill>
+        <p:spPr>
+          <a:xfrm>
+            <a:off x="1910576" y="3304825"/>
+            <a:ext cx="8294200" cy="2387872"/>
+          </a:xfrm>
+          <a:prstGeom prst="rect">
+            <a:avLst/>
+          </a:prstGeom>
+        </p:spPr>
+      </p:pic>
+    </p:spTree>
+    <p:extLst>
+      <p:ext uri="{BB962C8B-B14F-4D97-AF65-F5344CB8AC3E}">
+        <p14:creationId xmlns:p14="http://schemas.microsoft.com/office/powerpoint/2010/main" val="3130313805"/>
+      </p:ext>
+    </p:extLst>
+  </p:cSld>
+  <p:clrMapOvr>
+    <a:masterClrMapping/>
+  </p:clrMapOvr>
+</p:sld>
+</file>
+
+<file path=ppt/slides/slide18.xml><?xml version="1.0" encoding="utf-8"?>
+<p:sld xmlns:a="http://schemas.openxmlformats.org/drawingml/2006/main" xmlns:r="http://schemas.openxmlformats.org/officeDocument/2006/relationships" xmlns:p="http://schemas.openxmlformats.org/presentationml/2006/main">
+  <p:cSld>
+    <p:spTree>
+      <p:nvGrpSpPr>
+        <p:cNvPr id="1" name=""/>
+        <p:cNvGrpSpPr/>
+        <p:nvPr/>
+      </p:nvGrpSpPr>
+      <p:grpSpPr>
+        <a:xfrm>
+          <a:off x="0" y="0"/>
+          <a:ext cx="0" cy="0"/>
+          <a:chOff x="0" y="0"/>
+          <a:chExt cx="0" cy="0"/>
+        </a:xfrm>
+      </p:grpSpPr>
+      <p:sp>
+        <p:nvSpPr>
+          <p:cNvPr id="5" name="标题 4">
+            <a:extLst>
+              <a:ext uri="{FF2B5EF4-FFF2-40B4-BE49-F238E27FC236}">
+                <a16:creationId xmlns:a16="http://schemas.microsoft.com/office/drawing/2014/main" id="{1C7C72D1-2A93-4A60-B872-6B2F1C4B8C7A}"/>
+              </a:ext>
+            </a:extLst>
+          </p:cNvPr>
+          <p:cNvSpPr>
+            <a:spLocks noGrp="1"/>
+          </p:cNvSpPr>
+          <p:nvPr>
+            <p:ph type="title"/>
+          </p:nvPr>
+        </p:nvSpPr>
+        <p:spPr/>
+        <p:txBody>
+          <a:bodyPr/>
+          <a:lstStyle/>
+          <a:p>
+            <a:r>
+              <a:rPr lang="en-US" dirty="0"/>
+              <a:t>Home Page &lt;</a:t>
+            </a:r>
+            <a:r>
+              <a:rPr lang="en-US" dirty="0">
+                <a:hlinkClick r:id="rId2"/>
+              </a:rPr>
+              <a:t>https://www.calcite.apache.org</a:t>
+            </a:r>
+            <a:r>
+              <a:rPr lang="en-US" dirty="0"/>
+              <a:t>&gt;</a:t>
+            </a:r>
+          </a:p>
+        </p:txBody>
+      </p:sp>
+      <p:pic>
+        <p:nvPicPr>
+          <p:cNvPr id="9" name="内容占位符 8">
+            <a:extLst>
+              <a:ext uri="{FF2B5EF4-FFF2-40B4-BE49-F238E27FC236}">
+                <a16:creationId xmlns:a16="http://schemas.microsoft.com/office/drawing/2014/main" id="{B4A87D54-5A09-4C04-8613-A5441B0D25AA}"/>
+              </a:ext>
+            </a:extLst>
+          </p:cNvPr>
+          <p:cNvPicPr>
+            <a:picLocks noGrp="1" noChangeAspect="1"/>
+          </p:cNvPicPr>
+          <p:nvPr>
+            <p:ph idx="10"/>
+          </p:nvPr>
+        </p:nvPicPr>
+        <p:blipFill rotWithShape="1">
+          <a:blip r:embed="rId3"/>
+          <a:srcRect b="9514"/>
+          <a:stretch/>
+        </p:blipFill>
+        <p:spPr>
+          <a:xfrm>
+            <a:off x="0" y="959218"/>
+            <a:ext cx="12212126" cy="5072305"/>
+          </a:xfrm>
+        </p:spPr>
+      </p:pic>
+      <p:sp>
+        <p:nvSpPr>
+          <p:cNvPr id="4" name="页脚占位符 3">
+            <a:extLst>
+              <a:ext uri="{FF2B5EF4-FFF2-40B4-BE49-F238E27FC236}">
+                <a16:creationId xmlns:a16="http://schemas.microsoft.com/office/drawing/2014/main" id="{2534E824-82CD-4C12-8751-F8C03980E636}"/>
+              </a:ext>
+            </a:extLst>
+          </p:cNvPr>
+          <p:cNvSpPr>
+            <a:spLocks noGrp="1"/>
+          </p:cNvSpPr>
+          <p:nvPr>
+            <p:ph type="ftr" sz="quarter" idx="11"/>
+          </p:nvPr>
+        </p:nvSpPr>
+        <p:spPr/>
+        <p:txBody>
+          <a:bodyPr/>
+          <a:lstStyle/>
+          <a:p>
+            <a:pPr>
+              <a:defRPr/>
+            </a:pPr>
+            <a:r>
+              <a:rPr lang="en-US"/>
+              <a:t>Copyright @ 2017 - 2023 A</a:t>
+            </a:r>
+            <a:r>
+              <a:rPr lang="en-US" altLang="zh-CN"/>
+              <a:t>aron</a:t>
+            </a:r>
+            <a:r>
+              <a:rPr lang="en-US"/>
+              <a:t>. All rights reserved.</a:t>
+            </a:r>
+            <a:endParaRPr lang="en-US" dirty="0"/>
+          </a:p>
+        </p:txBody>
+      </p:sp>
+      <p:sp>
+        <p:nvSpPr>
+          <p:cNvPr id="3" name="灯片编号占位符 2">
+            <a:extLst>
+              <a:ext uri="{FF2B5EF4-FFF2-40B4-BE49-F238E27FC236}">
+                <a16:creationId xmlns:a16="http://schemas.microsoft.com/office/drawing/2014/main" id="{BBDC7E3B-698F-438E-9F32-9FAFF2176F83}"/>
+              </a:ext>
+            </a:extLst>
+          </p:cNvPr>
+          <p:cNvSpPr>
+            <a:spLocks noGrp="1"/>
+          </p:cNvSpPr>
+          <p:nvPr>
+            <p:ph type="sldNum" sz="quarter" idx="12"/>
+          </p:nvPr>
+        </p:nvSpPr>
+        <p:spPr/>
+        <p:txBody>
+          <a:bodyPr/>
+          <a:lstStyle/>
+          <a:p>
+            <a:pPr>
+              <a:defRPr/>
+            </a:pPr>
+            <a:fld id="{45A1B3F3-60E0-6745-9FE6-9C4771689AE1}" type="slidenum">
+              <a:rPr lang="en-US" smtClean="0"/>
+              <a:pPr>
+                <a:defRPr/>
+              </a:pPr>
+              <a:t>18</a:t>
+            </a:fld>
+            <a:endParaRPr lang="en-US" dirty="0"/>
+          </a:p>
+        </p:txBody>
+      </p:sp>
+    </p:spTree>
+    <p:extLst>
+      <p:ext uri="{BB962C8B-B14F-4D97-AF65-F5344CB8AC3E}">
+        <p14:creationId xmlns:p14="http://schemas.microsoft.com/office/powerpoint/2010/main" val="4081628691"/>
+      </p:ext>
+    </p:extLst>
+  </p:cSld>
+  <p:clrMapOvr>
+    <a:masterClrMapping/>
+  </p:clrMapOvr>
+</p:sld>
+</file>
+
+<file path=ppt/slides/slide19.xml><?xml version="1.0" encoding="utf-8"?>
+<p:sld xmlns:a="http://schemas.openxmlformats.org/drawingml/2006/main" xmlns:r="http://schemas.openxmlformats.org/officeDocument/2006/relationships" xmlns:p="http://schemas.openxmlformats.org/presentationml/2006/main">
+  <p:cSld>
+    <p:spTree>
+      <p:nvGrpSpPr>
+        <p:cNvPr id="1" name=""/>
+        <p:cNvGrpSpPr/>
+        <p:nvPr/>
+      </p:nvGrpSpPr>
+      <p:grpSpPr>
+        <a:xfrm>
+          <a:off x="0" y="0"/>
+          <a:ext cx="0" cy="0"/>
+          <a:chOff x="0" y="0"/>
+          <a:chExt cx="0" cy="0"/>
+        </a:xfrm>
+      </p:grpSpPr>
+      <p:sp>
+        <p:nvSpPr>
+          <p:cNvPr id="7" name="标题 6">
+            <a:extLst>
+              <a:ext uri="{FF2B5EF4-FFF2-40B4-BE49-F238E27FC236}">
+                <a16:creationId xmlns:a16="http://schemas.microsoft.com/office/drawing/2014/main" id="{0E5687B6-2DF7-4069-A641-049E0B1343D3}"/>
+              </a:ext>
+            </a:extLst>
+          </p:cNvPr>
+          <p:cNvSpPr>
+            <a:spLocks noGrp="1"/>
+          </p:cNvSpPr>
+          <p:nvPr>
+            <p:ph type="title"/>
+          </p:nvPr>
+        </p:nvSpPr>
+        <p:spPr/>
+        <p:txBody>
+          <a:bodyPr/>
+          <a:lstStyle/>
+          <a:p>
+            <a:r>
+              <a:rPr lang="en-US" dirty="0"/>
+              <a:t>Standard SQL </a:t>
+            </a:r>
+          </a:p>
+        </p:txBody>
+      </p:sp>
+      <p:pic>
+        <p:nvPicPr>
+          <p:cNvPr id="10" name="内容占位符 9">
+            <a:extLst>
+              <a:ext uri="{FF2B5EF4-FFF2-40B4-BE49-F238E27FC236}">
+                <a16:creationId xmlns:a16="http://schemas.microsoft.com/office/drawing/2014/main" id="{C1FAB44B-649F-4586-BFD8-2AE6A8FE9780}"/>
+              </a:ext>
+            </a:extLst>
+          </p:cNvPr>
+          <p:cNvPicPr>
+            <a:picLocks noGrp="1" noChangeAspect="1"/>
+          </p:cNvPicPr>
+          <p:nvPr>
+            <p:ph idx="10"/>
+          </p:nvPr>
+        </p:nvPicPr>
+        <p:blipFill>
+          <a:blip r:embed="rId2"/>
+          <a:stretch>
+            <a:fillRect/>
+          </a:stretch>
+        </p:blipFill>
+        <p:spPr>
+          <a:xfrm>
+            <a:off x="444226" y="2419198"/>
+            <a:ext cx="11303548" cy="2335682"/>
+          </a:xfrm>
+        </p:spPr>
+      </p:pic>
+      <p:sp>
+        <p:nvSpPr>
+          <p:cNvPr id="5" name="页脚占位符 4">
+            <a:extLst>
+              <a:ext uri="{FF2B5EF4-FFF2-40B4-BE49-F238E27FC236}">
+                <a16:creationId xmlns:a16="http://schemas.microsoft.com/office/drawing/2014/main" id="{A7FC5878-D853-4C50-9A01-31C5BD7FA5E9}"/>
+              </a:ext>
+            </a:extLst>
+          </p:cNvPr>
+          <p:cNvSpPr>
+            <a:spLocks noGrp="1"/>
+          </p:cNvSpPr>
+          <p:nvPr>
+            <p:ph type="ftr" sz="quarter" idx="11"/>
+          </p:nvPr>
+        </p:nvSpPr>
+        <p:spPr/>
+        <p:txBody>
+          <a:bodyPr/>
+          <a:lstStyle/>
+          <a:p>
+            <a:pPr>
+              <a:defRPr/>
+            </a:pPr>
+            <a:r>
+              <a:rPr lang="en-US"/>
+              <a:t>Copyright @ 2017 - 2023 Aaron. All rights reserved.</a:t>
+            </a:r>
+            <a:endParaRPr lang="en-US" dirty="0"/>
+          </a:p>
+        </p:txBody>
+      </p:sp>
+      <p:sp>
+        <p:nvSpPr>
+          <p:cNvPr id="6" name="灯片编号占位符 5">
+            <a:extLst>
+              <a:ext uri="{FF2B5EF4-FFF2-40B4-BE49-F238E27FC236}">
+                <a16:creationId xmlns:a16="http://schemas.microsoft.com/office/drawing/2014/main" id="{DC96AD8A-4EF3-4592-B4B7-C56B58A18A3B}"/>
+              </a:ext>
+            </a:extLst>
+          </p:cNvPr>
+          <p:cNvSpPr>
+            <a:spLocks noGrp="1"/>
+          </p:cNvSpPr>
+          <p:nvPr>
+            <p:ph type="sldNum" sz="quarter" idx="12"/>
+          </p:nvPr>
+        </p:nvSpPr>
+        <p:spPr/>
+        <p:txBody>
+          <a:bodyPr/>
+          <a:lstStyle/>
+          <a:p>
+            <a:pPr>
+              <a:defRPr/>
+            </a:pPr>
+            <a:fld id="{7636629C-DB39-B44B-9452-4DC450D43CB3}" type="slidenum">
+              <a:rPr lang="en-US" smtClean="0"/>
+              <a:pPr>
+                <a:defRPr/>
+              </a:pPr>
+              <a:t>19</a:t>
+            </a:fld>
+            <a:endParaRPr lang="en-US" dirty="0"/>
+          </a:p>
+        </p:txBody>
+      </p:sp>
+    </p:spTree>
+    <p:extLst>
+      <p:ext uri="{BB962C8B-B14F-4D97-AF65-F5344CB8AC3E}">
+        <p14:creationId xmlns:p14="http://schemas.microsoft.com/office/powerpoint/2010/main" val="2353173997"/>
+      </p:ext>
+    </p:extLst>
+  </p:cSld>
+  <p:clrMapOvr>
+    <a:masterClrMapping/>
+  </p:clrMapOvr>
+</p:sld>
+</file>
+
+<file path=ppt/slides/slide2.xml><?xml version="1.0" encoding="utf-8"?>
+<p:sld xmlns:a="http://schemas.openxmlformats.org/drawingml/2006/main" xmlns:r="http://schemas.openxmlformats.org/officeDocument/2006/relationships" xmlns:p="http://schemas.openxmlformats.org/presentationml/2006/main">
+  <p:cSld>
+    <p:spTree>
+      <p:nvGrpSpPr>
+        <p:cNvPr id="1" name=""/>
+        <p:cNvGrpSpPr/>
+        <p:nvPr/>
+      </p:nvGrpSpPr>
+      <p:grpSpPr>
+        <a:xfrm>
+          <a:off x="0" y="0"/>
+          <a:ext cx="0" cy="0"/>
+          <a:chOff x="0" y="0"/>
+          <a:chExt cx="0" cy="0"/>
+        </a:xfrm>
+      </p:grpSpPr>
+      <p:sp>
+        <p:nvSpPr>
+          <p:cNvPr id="5" name="标题 4">
+            <a:extLst>
+              <a:ext uri="{FF2B5EF4-FFF2-40B4-BE49-F238E27FC236}">
+                <a16:creationId xmlns:a16="http://schemas.microsoft.com/office/drawing/2014/main" id="{1C7C72D1-2A93-4A60-B872-6B2F1C4B8C7A}"/>
+              </a:ext>
+            </a:extLst>
+          </p:cNvPr>
+          <p:cNvSpPr>
+            <a:spLocks noGrp="1"/>
+          </p:cNvSpPr>
+          <p:nvPr>
+            <p:ph type="title"/>
+          </p:nvPr>
+        </p:nvSpPr>
+        <p:spPr/>
+        <p:txBody>
+          <a:bodyPr/>
+          <a:lstStyle/>
+          <a:p>
+            <a:r>
+              <a:rPr lang="en-US" dirty="0"/>
+              <a:t>Home Page &lt;</a:t>
+            </a:r>
+            <a:r>
+              <a:rPr lang="en-US" dirty="0">
+                <a:hlinkClick r:id="rId2"/>
+              </a:rPr>
+              <a:t>https://www.calcite.apache.org</a:t>
+            </a:r>
+            <a:r>
+              <a:rPr lang="en-US" dirty="0"/>
+              <a:t>&gt;</a:t>
+            </a:r>
+          </a:p>
+        </p:txBody>
+      </p:sp>
+      <p:pic>
+        <p:nvPicPr>
+          <p:cNvPr id="9" name="内容占位符 8">
+            <a:extLst>
+              <a:ext uri="{FF2B5EF4-FFF2-40B4-BE49-F238E27FC236}">
+                <a16:creationId xmlns:a16="http://schemas.microsoft.com/office/drawing/2014/main" id="{B4A87D54-5A09-4C04-8613-A5441B0D25AA}"/>
+              </a:ext>
+            </a:extLst>
+          </p:cNvPr>
+          <p:cNvPicPr>
+            <a:picLocks noGrp="1" noChangeAspect="1"/>
+          </p:cNvPicPr>
+          <p:nvPr>
+            <p:ph idx="10"/>
+          </p:nvPr>
+        </p:nvPicPr>
+        <p:blipFill rotWithShape="1">
+          <a:blip r:embed="rId3"/>
+          <a:srcRect b="9514"/>
+          <a:stretch/>
+        </p:blipFill>
+        <p:spPr>
+          <a:xfrm>
+            <a:off x="0" y="959218"/>
+            <a:ext cx="12212126" cy="5072305"/>
+          </a:xfrm>
+        </p:spPr>
+      </p:pic>
+      <p:sp>
+        <p:nvSpPr>
+          <p:cNvPr id="4" name="页脚占位符 3">
+            <a:extLst>
+              <a:ext uri="{FF2B5EF4-FFF2-40B4-BE49-F238E27FC236}">
+                <a16:creationId xmlns:a16="http://schemas.microsoft.com/office/drawing/2014/main" id="{2534E824-82CD-4C12-8751-F8C03980E636}"/>
+              </a:ext>
+            </a:extLst>
+          </p:cNvPr>
+          <p:cNvSpPr>
+            <a:spLocks noGrp="1"/>
+          </p:cNvSpPr>
+          <p:nvPr>
+            <p:ph type="ftr" sz="quarter" idx="11"/>
+          </p:nvPr>
+        </p:nvSpPr>
+        <p:spPr/>
+        <p:txBody>
+          <a:bodyPr/>
+          <a:lstStyle/>
+          <a:p>
+            <a:pPr>
+              <a:defRPr/>
+            </a:pPr>
+            <a:r>
+              <a:rPr lang="en-US"/>
+              <a:t>Copyright @ 2017 - 2023 A</a:t>
+            </a:r>
+            <a:r>
+              <a:rPr lang="en-US" altLang="zh-CN"/>
+              <a:t>aron</a:t>
+            </a:r>
+            <a:r>
+              <a:rPr lang="en-US"/>
+              <a:t>. All rights reserved.</a:t>
+            </a:r>
+            <a:endParaRPr lang="en-US" dirty="0"/>
+          </a:p>
+        </p:txBody>
+      </p:sp>
+      <p:sp>
+        <p:nvSpPr>
+          <p:cNvPr id="3" name="灯片编号占位符 2">
+            <a:extLst>
+              <a:ext uri="{FF2B5EF4-FFF2-40B4-BE49-F238E27FC236}">
+                <a16:creationId xmlns:a16="http://schemas.microsoft.com/office/drawing/2014/main" id="{BBDC7E3B-698F-438E-9F32-9FAFF2176F83}"/>
+              </a:ext>
+            </a:extLst>
+          </p:cNvPr>
+          <p:cNvSpPr>
+            <a:spLocks noGrp="1"/>
+          </p:cNvSpPr>
+          <p:nvPr>
+            <p:ph type="sldNum" sz="quarter" idx="12"/>
+          </p:nvPr>
+        </p:nvSpPr>
+        <p:spPr/>
+        <p:txBody>
+          <a:bodyPr/>
+          <a:lstStyle/>
+          <a:p>
+            <a:pPr>
+              <a:defRPr/>
+            </a:pPr>
+            <a:fld id="{45A1B3F3-60E0-6745-9FE6-9C4771689AE1}" type="slidenum">
+              <a:rPr lang="en-US" smtClean="0"/>
+              <a:pPr>
+                <a:defRPr/>
+              </a:pPr>
+              <a:t>2</a:t>
+            </a:fld>
+            <a:endParaRPr lang="en-US" dirty="0"/>
+          </a:p>
+        </p:txBody>
+      </p:sp>
+    </p:spTree>
+    <p:extLst>
+      <p:ext uri="{BB962C8B-B14F-4D97-AF65-F5344CB8AC3E}">
+        <p14:creationId xmlns:p14="http://schemas.microsoft.com/office/powerpoint/2010/main" val="748824793"/>
+      </p:ext>
+    </p:extLst>
+  </p:cSld>
+  <p:clrMapOvr>
+    <a:masterClrMapping/>
+  </p:clrMapOvr>
+</p:sld>
+</file>
+
+<file path=ppt/slides/slide20.xml><?xml version="1.0" encoding="utf-8"?>
+<p:sld xmlns:a="http://schemas.openxmlformats.org/drawingml/2006/main" xmlns:r="http://schemas.openxmlformats.org/officeDocument/2006/relationships" xmlns:p="http://schemas.openxmlformats.org/presentationml/2006/main">
+  <p:cSld>
+    <p:spTree>
+      <p:nvGrpSpPr>
+        <p:cNvPr id="1" name=""/>
+        <p:cNvGrpSpPr/>
+        <p:nvPr/>
+      </p:nvGrpSpPr>
+      <p:grpSpPr>
+        <a:xfrm>
+          <a:off x="0" y="0"/>
+          <a:ext cx="0" cy="0"/>
+          <a:chOff x="0" y="0"/>
+          <a:chExt cx="0" cy="0"/>
+        </a:xfrm>
+      </p:grpSpPr>
+      <p:sp>
+        <p:nvSpPr>
+          <p:cNvPr id="7" name="标题 6">
+            <a:extLst>
+              <a:ext uri="{FF2B5EF4-FFF2-40B4-BE49-F238E27FC236}">
+                <a16:creationId xmlns:a16="http://schemas.microsoft.com/office/drawing/2014/main" id="{0E5687B6-2DF7-4069-A641-049E0B1343D3}"/>
+              </a:ext>
+            </a:extLst>
+          </p:cNvPr>
+          <p:cNvSpPr>
+            <a:spLocks noGrp="1"/>
+          </p:cNvSpPr>
+          <p:nvPr>
+            <p:ph type="title"/>
+          </p:nvPr>
+        </p:nvSpPr>
+        <p:spPr/>
+        <p:txBody>
+          <a:bodyPr/>
+          <a:lstStyle/>
+          <a:p>
+            <a:r>
+              <a:rPr lang="en-US" dirty="0"/>
+              <a:t>Standard SQL </a:t>
+            </a:r>
+          </a:p>
+        </p:txBody>
+      </p:sp>
+      <p:sp>
+        <p:nvSpPr>
+          <p:cNvPr id="5" name="页脚占位符 4">
+            <a:extLst>
+              <a:ext uri="{FF2B5EF4-FFF2-40B4-BE49-F238E27FC236}">
+                <a16:creationId xmlns:a16="http://schemas.microsoft.com/office/drawing/2014/main" id="{A7FC5878-D853-4C50-9A01-31C5BD7FA5E9}"/>
+              </a:ext>
+            </a:extLst>
+          </p:cNvPr>
+          <p:cNvSpPr>
+            <a:spLocks noGrp="1"/>
+          </p:cNvSpPr>
+          <p:nvPr>
+            <p:ph type="ftr" sz="quarter" idx="11"/>
+          </p:nvPr>
+        </p:nvSpPr>
+        <p:spPr/>
+        <p:txBody>
+          <a:bodyPr/>
+          <a:lstStyle/>
+          <a:p>
+            <a:pPr>
+              <a:defRPr/>
+            </a:pPr>
+            <a:r>
+              <a:rPr lang="en-US"/>
+              <a:t>Copyright @ 2017 - 2023 Aaron. All rights reserved.</a:t>
+            </a:r>
+            <a:endParaRPr lang="en-US" dirty="0"/>
+          </a:p>
+        </p:txBody>
+      </p:sp>
+      <p:sp>
+        <p:nvSpPr>
+          <p:cNvPr id="6" name="灯片编号占位符 5">
+            <a:extLst>
+              <a:ext uri="{FF2B5EF4-FFF2-40B4-BE49-F238E27FC236}">
+                <a16:creationId xmlns:a16="http://schemas.microsoft.com/office/drawing/2014/main" id="{DC96AD8A-4EF3-4592-B4B7-C56B58A18A3B}"/>
+              </a:ext>
+            </a:extLst>
+          </p:cNvPr>
+          <p:cNvSpPr>
+            <a:spLocks noGrp="1"/>
+          </p:cNvSpPr>
+          <p:nvPr>
+            <p:ph type="sldNum" sz="quarter" idx="12"/>
+          </p:nvPr>
+        </p:nvSpPr>
+        <p:spPr/>
+        <p:txBody>
+          <a:bodyPr/>
+          <a:lstStyle/>
+          <a:p>
+            <a:pPr>
+              <a:defRPr/>
+            </a:pPr>
+            <a:fld id="{7636629C-DB39-B44B-9452-4DC450D43CB3}" type="slidenum">
+              <a:rPr lang="en-US" smtClean="0"/>
+              <a:pPr>
+                <a:defRPr/>
+              </a:pPr>
+              <a:t>20</a:t>
+            </a:fld>
+            <a:endParaRPr lang="en-US" dirty="0"/>
+          </a:p>
+        </p:txBody>
+      </p:sp>
+      <p:pic>
+        <p:nvPicPr>
+          <p:cNvPr id="11" name="图片 10">
+            <a:extLst>
+              <a:ext uri="{FF2B5EF4-FFF2-40B4-BE49-F238E27FC236}">
+                <a16:creationId xmlns:a16="http://schemas.microsoft.com/office/drawing/2014/main" id="{FAF150BC-903C-44A7-8EF7-736422DF8FD8}"/>
+              </a:ext>
+            </a:extLst>
+          </p:cNvPr>
+          <p:cNvPicPr>
+            <a:picLocks noChangeAspect="1"/>
+          </p:cNvPicPr>
+          <p:nvPr/>
+        </p:nvPicPr>
+        <p:blipFill>
+          <a:blip r:embed="rId2"/>
+          <a:stretch>
+            <a:fillRect/>
+          </a:stretch>
+        </p:blipFill>
+        <p:spPr>
+          <a:xfrm>
+            <a:off x="1109253" y="2351314"/>
+            <a:ext cx="9973494" cy="2155372"/>
+          </a:xfrm>
+          <a:prstGeom prst="rect">
+            <a:avLst/>
+          </a:prstGeom>
+        </p:spPr>
+      </p:pic>
+    </p:spTree>
+    <p:extLst>
+      <p:ext uri="{BB962C8B-B14F-4D97-AF65-F5344CB8AC3E}">
+        <p14:creationId xmlns:p14="http://schemas.microsoft.com/office/powerpoint/2010/main" val="726406624"/>
+      </p:ext>
+    </p:extLst>
+  </p:cSld>
+  <p:clrMapOvr>
+    <a:masterClrMapping/>
+  </p:clrMapOvr>
+</p:sld>
+</file>
+
+<file path=ppt/slides/slide21.xml><?xml version="1.0" encoding="utf-8"?>
+<p:sld xmlns:a="http://schemas.openxmlformats.org/drawingml/2006/main" xmlns:r="http://schemas.openxmlformats.org/officeDocument/2006/relationships" xmlns:p="http://schemas.openxmlformats.org/presentationml/2006/main">
+  <p:cSld>
+    <p:spTree>
+      <p:nvGrpSpPr>
+        <p:cNvPr id="1" name=""/>
+        <p:cNvGrpSpPr/>
+        <p:nvPr/>
+      </p:nvGrpSpPr>
+      <p:grpSpPr>
+        <a:xfrm>
+          <a:off x="0" y="0"/>
+          <a:ext cx="0" cy="0"/>
+          <a:chOff x="0" y="0"/>
+          <a:chExt cx="0" cy="0"/>
+        </a:xfrm>
+      </p:grpSpPr>
+      <p:sp>
+        <p:nvSpPr>
+          <p:cNvPr id="5" name="标题 4">
+            <a:extLst>
+              <a:ext uri="{FF2B5EF4-FFF2-40B4-BE49-F238E27FC236}">
+                <a16:creationId xmlns:a16="http://schemas.microsoft.com/office/drawing/2014/main" id="{1C7C72D1-2A93-4A60-B872-6B2F1C4B8C7A}"/>
+              </a:ext>
+            </a:extLst>
+          </p:cNvPr>
+          <p:cNvSpPr>
+            <a:spLocks noGrp="1"/>
+          </p:cNvSpPr>
+          <p:nvPr>
+            <p:ph type="title"/>
+          </p:nvPr>
+        </p:nvSpPr>
+        <p:spPr/>
+        <p:txBody>
+          <a:bodyPr/>
+          <a:lstStyle/>
+          <a:p>
+            <a:r>
+              <a:rPr lang="en-US" dirty="0"/>
+              <a:t>Home Page &lt;</a:t>
+            </a:r>
+            <a:r>
+              <a:rPr lang="en-US" dirty="0">
+                <a:hlinkClick r:id="rId2"/>
+              </a:rPr>
+              <a:t>https://www.calcite.apache.org</a:t>
+            </a:r>
+            <a:r>
+              <a:rPr lang="en-US" dirty="0"/>
+              <a:t>&gt;</a:t>
+            </a:r>
+          </a:p>
+        </p:txBody>
+      </p:sp>
+      <p:pic>
+        <p:nvPicPr>
+          <p:cNvPr id="9" name="内容占位符 8">
+            <a:extLst>
+              <a:ext uri="{FF2B5EF4-FFF2-40B4-BE49-F238E27FC236}">
+                <a16:creationId xmlns:a16="http://schemas.microsoft.com/office/drawing/2014/main" id="{B4A87D54-5A09-4C04-8613-A5441B0D25AA}"/>
+              </a:ext>
+            </a:extLst>
+          </p:cNvPr>
+          <p:cNvPicPr>
+            <a:picLocks noGrp="1" noChangeAspect="1"/>
+          </p:cNvPicPr>
+          <p:nvPr>
+            <p:ph idx="10"/>
+          </p:nvPr>
+        </p:nvPicPr>
+        <p:blipFill rotWithShape="1">
+          <a:blip r:embed="rId3"/>
+          <a:srcRect b="9514"/>
+          <a:stretch/>
+        </p:blipFill>
+        <p:spPr>
+          <a:xfrm>
+            <a:off x="0" y="959218"/>
+            <a:ext cx="12212126" cy="5072305"/>
+          </a:xfrm>
+        </p:spPr>
+      </p:pic>
+      <p:sp>
+        <p:nvSpPr>
+          <p:cNvPr id="4" name="页脚占位符 3">
+            <a:extLst>
+              <a:ext uri="{FF2B5EF4-FFF2-40B4-BE49-F238E27FC236}">
+                <a16:creationId xmlns:a16="http://schemas.microsoft.com/office/drawing/2014/main" id="{2534E824-82CD-4C12-8751-F8C03980E636}"/>
+              </a:ext>
+            </a:extLst>
+          </p:cNvPr>
+          <p:cNvSpPr>
+            <a:spLocks noGrp="1"/>
+          </p:cNvSpPr>
+          <p:nvPr>
+            <p:ph type="ftr" sz="quarter" idx="11"/>
+          </p:nvPr>
+        </p:nvSpPr>
+        <p:spPr/>
+        <p:txBody>
+          <a:bodyPr/>
+          <a:lstStyle/>
+          <a:p>
+            <a:pPr>
+              <a:defRPr/>
+            </a:pPr>
+            <a:r>
+              <a:rPr lang="en-US"/>
+              <a:t>Copyright @ 2017 - 2023 A</a:t>
+            </a:r>
+            <a:r>
+              <a:rPr lang="en-US" altLang="zh-CN"/>
+              <a:t>aron</a:t>
+            </a:r>
+            <a:r>
+              <a:rPr lang="en-US"/>
+              <a:t>. All rights reserved.</a:t>
+            </a:r>
+            <a:endParaRPr lang="en-US" dirty="0"/>
+          </a:p>
+        </p:txBody>
+      </p:sp>
+      <p:sp>
+        <p:nvSpPr>
+          <p:cNvPr id="3" name="灯片编号占位符 2">
+            <a:extLst>
+              <a:ext uri="{FF2B5EF4-FFF2-40B4-BE49-F238E27FC236}">
+                <a16:creationId xmlns:a16="http://schemas.microsoft.com/office/drawing/2014/main" id="{BBDC7E3B-698F-438E-9F32-9FAFF2176F83}"/>
+              </a:ext>
+            </a:extLst>
+          </p:cNvPr>
+          <p:cNvSpPr>
+            <a:spLocks noGrp="1"/>
+          </p:cNvSpPr>
+          <p:nvPr>
+            <p:ph type="sldNum" sz="quarter" idx="12"/>
+          </p:nvPr>
+        </p:nvSpPr>
+        <p:spPr/>
+        <p:txBody>
+          <a:bodyPr/>
+          <a:lstStyle/>
+          <a:p>
+            <a:pPr>
+              <a:defRPr/>
+            </a:pPr>
+            <a:fld id="{45A1B3F3-60E0-6745-9FE6-9C4771689AE1}" type="slidenum">
+              <a:rPr lang="en-US" smtClean="0"/>
+              <a:pPr>
+                <a:defRPr/>
+              </a:pPr>
+              <a:t>21</a:t>
+            </a:fld>
+            <a:endParaRPr lang="en-US" dirty="0"/>
+          </a:p>
+        </p:txBody>
+      </p:sp>
+    </p:spTree>
+    <p:extLst>
+      <p:ext uri="{BB962C8B-B14F-4D97-AF65-F5344CB8AC3E}">
+        <p14:creationId xmlns:p14="http://schemas.microsoft.com/office/powerpoint/2010/main" val="2079084383"/>
+      </p:ext>
+    </p:extLst>
+  </p:cSld>
+  <p:clrMapOvr>
+    <a:masterClrMapping/>
+  </p:clrMapOvr>
+</p:sld>
+</file>
+
+<file path=ppt/slides/slide22.xml><?xml version="1.0" encoding="utf-8"?>
+<p:sld xmlns:a="http://schemas.openxmlformats.org/drawingml/2006/main" xmlns:r="http://schemas.openxmlformats.org/officeDocument/2006/relationships" xmlns:p="http://schemas.openxmlformats.org/presentationml/2006/main">
+  <p:cSld>
+    <p:spTree>
+      <p:nvGrpSpPr>
+        <p:cNvPr id="1" name=""/>
+        <p:cNvGrpSpPr/>
+        <p:nvPr/>
+      </p:nvGrpSpPr>
+      <p:grpSpPr>
+        <a:xfrm>
+          <a:off x="0" y="0"/>
+          <a:ext cx="0" cy="0"/>
+          <a:chOff x="0" y="0"/>
+          <a:chExt cx="0" cy="0"/>
+        </a:xfrm>
+      </p:grpSpPr>
+      <p:sp>
+        <p:nvSpPr>
+          <p:cNvPr id="7" name="标题 6">
+            <a:extLst>
+              <a:ext uri="{FF2B5EF4-FFF2-40B4-BE49-F238E27FC236}">
+                <a16:creationId xmlns:a16="http://schemas.microsoft.com/office/drawing/2014/main" id="{0E5687B6-2DF7-4069-A641-049E0B1343D3}"/>
+              </a:ext>
+            </a:extLst>
+          </p:cNvPr>
+          <p:cNvSpPr>
+            <a:spLocks noGrp="1"/>
+          </p:cNvSpPr>
+          <p:nvPr>
+            <p:ph type="title"/>
+          </p:nvPr>
+        </p:nvSpPr>
+        <p:spPr/>
+        <p:txBody>
+          <a:bodyPr/>
+          <a:lstStyle/>
+          <a:p>
+            <a:r>
+              <a:rPr lang="en-US" dirty="0"/>
+              <a:t>Q</a:t>
+            </a:r>
+            <a:r>
+              <a:rPr lang="en-US" altLang="zh-CN" dirty="0"/>
+              <a:t>uery Optimization</a:t>
+            </a:r>
+            <a:endParaRPr lang="en-US" dirty="0"/>
+          </a:p>
+        </p:txBody>
+      </p:sp>
+      <p:pic>
+        <p:nvPicPr>
+          <p:cNvPr id="10" name="内容占位符 9">
+            <a:extLst>
+              <a:ext uri="{FF2B5EF4-FFF2-40B4-BE49-F238E27FC236}">
+                <a16:creationId xmlns:a16="http://schemas.microsoft.com/office/drawing/2014/main" id="{C1FAB44B-649F-4586-BFD8-2AE6A8FE9780}"/>
+              </a:ext>
+            </a:extLst>
+          </p:cNvPr>
+          <p:cNvPicPr>
+            <a:picLocks noGrp="1" noChangeAspect="1"/>
+          </p:cNvPicPr>
+          <p:nvPr>
+            <p:ph idx="10"/>
+          </p:nvPr>
+        </p:nvPicPr>
+        <p:blipFill>
+          <a:blip r:embed="rId2"/>
+          <a:stretch>
+            <a:fillRect/>
+          </a:stretch>
+        </p:blipFill>
+        <p:spPr>
+          <a:xfrm>
+            <a:off x="952769" y="2315831"/>
+            <a:ext cx="10286462" cy="2447000"/>
+          </a:xfrm>
+        </p:spPr>
+      </p:pic>
+      <p:sp>
+        <p:nvSpPr>
+          <p:cNvPr id="5" name="页脚占位符 4">
+            <a:extLst>
+              <a:ext uri="{FF2B5EF4-FFF2-40B4-BE49-F238E27FC236}">
+                <a16:creationId xmlns:a16="http://schemas.microsoft.com/office/drawing/2014/main" id="{A7FC5878-D853-4C50-9A01-31C5BD7FA5E9}"/>
+              </a:ext>
+            </a:extLst>
+          </p:cNvPr>
+          <p:cNvSpPr>
+            <a:spLocks noGrp="1"/>
+          </p:cNvSpPr>
+          <p:nvPr>
+            <p:ph type="ftr" sz="quarter" idx="11"/>
+          </p:nvPr>
+        </p:nvSpPr>
+        <p:spPr/>
+        <p:txBody>
+          <a:bodyPr/>
+          <a:lstStyle/>
+          <a:p>
+            <a:pPr>
+              <a:defRPr/>
+            </a:pPr>
+            <a:r>
+              <a:rPr lang="en-US"/>
+              <a:t>Copyright @ 2017 - 2023 Aaron. All rights reserved.</a:t>
+            </a:r>
+            <a:endParaRPr lang="en-US" dirty="0"/>
+          </a:p>
+        </p:txBody>
+      </p:sp>
+      <p:sp>
+        <p:nvSpPr>
+          <p:cNvPr id="6" name="灯片编号占位符 5">
+            <a:extLst>
+              <a:ext uri="{FF2B5EF4-FFF2-40B4-BE49-F238E27FC236}">
+                <a16:creationId xmlns:a16="http://schemas.microsoft.com/office/drawing/2014/main" id="{DC96AD8A-4EF3-4592-B4B7-C56B58A18A3B}"/>
+              </a:ext>
+            </a:extLst>
+          </p:cNvPr>
+          <p:cNvSpPr>
+            <a:spLocks noGrp="1"/>
+          </p:cNvSpPr>
+          <p:nvPr>
+            <p:ph type="sldNum" sz="quarter" idx="12"/>
+          </p:nvPr>
+        </p:nvSpPr>
+        <p:spPr/>
+        <p:txBody>
+          <a:bodyPr/>
+          <a:lstStyle/>
+          <a:p>
+            <a:pPr>
+              <a:defRPr/>
+            </a:pPr>
+            <a:fld id="{7636629C-DB39-B44B-9452-4DC450D43CB3}" type="slidenum">
+              <a:rPr lang="en-US" smtClean="0"/>
+              <a:pPr>
+                <a:defRPr/>
+              </a:pPr>
+              <a:t>22</a:t>
+            </a:fld>
+            <a:endParaRPr lang="en-US" dirty="0"/>
+          </a:p>
+        </p:txBody>
+      </p:sp>
+    </p:spTree>
+    <p:extLst>
+      <p:ext uri="{BB962C8B-B14F-4D97-AF65-F5344CB8AC3E}">
+        <p14:creationId xmlns:p14="http://schemas.microsoft.com/office/powerpoint/2010/main" val="1060378687"/>
+      </p:ext>
+    </p:extLst>
+  </p:cSld>
+  <p:clrMapOvr>
+    <a:masterClrMapping/>
+  </p:clrMapOvr>
+</p:sld>
+</file>
+
+<file path=ppt/slides/slide23.xml><?xml version="1.0" encoding="utf-8"?>
+<p:sld xmlns:a="http://schemas.openxmlformats.org/drawingml/2006/main" xmlns:r="http://schemas.openxmlformats.org/officeDocument/2006/relationships" xmlns:p="http://schemas.openxmlformats.org/presentationml/2006/main">
+  <p:cSld>
+    <p:spTree>
+      <p:nvGrpSpPr>
+        <p:cNvPr id="1" name=""/>
+        <p:cNvGrpSpPr/>
+        <p:nvPr/>
+      </p:nvGrpSpPr>
+      <p:grpSpPr>
+        <a:xfrm>
+          <a:off x="0" y="0"/>
+          <a:ext cx="0" cy="0"/>
+          <a:chOff x="0" y="0"/>
+          <a:chExt cx="0" cy="0"/>
+        </a:xfrm>
+      </p:grpSpPr>
+      <p:sp>
+        <p:nvSpPr>
+          <p:cNvPr id="7" name="标题 6">
+            <a:extLst>
+              <a:ext uri="{FF2B5EF4-FFF2-40B4-BE49-F238E27FC236}">
+                <a16:creationId xmlns:a16="http://schemas.microsoft.com/office/drawing/2014/main" id="{0E5687B6-2DF7-4069-A641-049E0B1343D3}"/>
+              </a:ext>
+            </a:extLst>
+          </p:cNvPr>
+          <p:cNvSpPr>
+            <a:spLocks noGrp="1"/>
+          </p:cNvSpPr>
+          <p:nvPr>
+            <p:ph type="title"/>
+          </p:nvPr>
+        </p:nvSpPr>
+        <p:spPr/>
+        <p:txBody>
+          <a:bodyPr/>
+          <a:lstStyle/>
+          <a:p>
+            <a:r>
+              <a:rPr lang="en-US" dirty="0"/>
+              <a:t>Q</a:t>
+            </a:r>
+            <a:r>
+              <a:rPr lang="en-US" altLang="zh-CN" dirty="0"/>
+              <a:t>uery Optimization</a:t>
+            </a:r>
+            <a:endParaRPr lang="en-US" dirty="0"/>
+          </a:p>
+        </p:txBody>
+      </p:sp>
+      <p:sp>
+        <p:nvSpPr>
+          <p:cNvPr id="5" name="页脚占位符 4">
+            <a:extLst>
+              <a:ext uri="{FF2B5EF4-FFF2-40B4-BE49-F238E27FC236}">
+                <a16:creationId xmlns:a16="http://schemas.microsoft.com/office/drawing/2014/main" id="{A7FC5878-D853-4C50-9A01-31C5BD7FA5E9}"/>
+              </a:ext>
+            </a:extLst>
+          </p:cNvPr>
+          <p:cNvSpPr>
+            <a:spLocks noGrp="1"/>
+          </p:cNvSpPr>
+          <p:nvPr>
+            <p:ph type="ftr" sz="quarter" idx="11"/>
+          </p:nvPr>
+        </p:nvSpPr>
+        <p:spPr/>
+        <p:txBody>
+          <a:bodyPr/>
+          <a:lstStyle/>
+          <a:p>
+            <a:pPr>
+              <a:defRPr/>
+            </a:pPr>
+            <a:r>
+              <a:rPr lang="en-US"/>
+              <a:t>Copyright @ 2017 - 2023 Aaron. All rights reserved.</a:t>
+            </a:r>
+            <a:endParaRPr lang="en-US" dirty="0"/>
+          </a:p>
+        </p:txBody>
+      </p:sp>
+      <p:sp>
+        <p:nvSpPr>
+          <p:cNvPr id="6" name="灯片编号占位符 5">
+            <a:extLst>
+              <a:ext uri="{FF2B5EF4-FFF2-40B4-BE49-F238E27FC236}">
+                <a16:creationId xmlns:a16="http://schemas.microsoft.com/office/drawing/2014/main" id="{DC96AD8A-4EF3-4592-B4B7-C56B58A18A3B}"/>
+              </a:ext>
+            </a:extLst>
+          </p:cNvPr>
+          <p:cNvSpPr>
+            <a:spLocks noGrp="1"/>
+          </p:cNvSpPr>
+          <p:nvPr>
+            <p:ph type="sldNum" sz="quarter" idx="12"/>
+          </p:nvPr>
+        </p:nvSpPr>
+        <p:spPr/>
+        <p:txBody>
+          <a:bodyPr/>
+          <a:lstStyle/>
+          <a:p>
+            <a:pPr>
+              <a:defRPr/>
+            </a:pPr>
+            <a:fld id="{7636629C-DB39-B44B-9452-4DC450D43CB3}" type="slidenum">
+              <a:rPr lang="en-US" smtClean="0"/>
+              <a:pPr>
+                <a:defRPr/>
+              </a:pPr>
+              <a:t>23</a:t>
             </a:fld>
             <a:endParaRPr lang="en-US" dirty="0"/>
           </a:p>
@@ -17958,7 +19891,7 @@
 </p:sld>
 </file>
 
-<file path=ppt/slides/slide14.xml><?xml version="1.0" encoding="utf-8"?>
+<file path=ppt/slides/slide24.xml><?xml version="1.0" encoding="utf-8"?>
 <p:sld xmlns:a="http://schemas.openxmlformats.org/drawingml/2006/main" xmlns:r="http://schemas.openxmlformats.org/officeDocument/2006/relationships" xmlns:p="http://schemas.openxmlformats.org/presentationml/2006/main">
   <p:cSld>
     <p:spTree>
@@ -18110,7 +20043,7 @@
               <a:pPr>
                 <a:defRPr/>
               </a:pPr>
-              <a:t>14</a:t>
+              <a:t>24</a:t>
             </a:fld>
             <a:endParaRPr lang="en-US" dirty="0"/>
           </a:p>
@@ -18129,7 +20062,7 @@
 </p:sld>
 </file>
 
-<file path=ppt/slides/slide15.xml><?xml version="1.0" encoding="utf-8"?>
+<file path=ppt/slides/slide25.xml><?xml version="1.0" encoding="utf-8"?>
 <p:sld xmlns:a="http://schemas.openxmlformats.org/drawingml/2006/main" xmlns:r="http://schemas.openxmlformats.org/officeDocument/2006/relationships" xmlns:p="http://schemas.openxmlformats.org/presentationml/2006/main">
   <p:cSld>
     <p:spTree>
@@ -18235,7 +20168,7 @@
               <a:pPr>
                 <a:defRPr/>
               </a:pPr>
-              <a:t>15</a:t>
+              <a:t>25</a:t>
             </a:fld>
             <a:endParaRPr lang="en-US" dirty="0"/>
           </a:p>
@@ -18314,7 +20247,7 @@
 </p:sld>
 </file>
 
-<file path=ppt/slides/slide16.xml><?xml version="1.0" encoding="utf-8"?>
+<file path=ppt/slides/slide26.xml><?xml version="1.0" encoding="utf-8"?>
 <p:sld xmlns:a="http://schemas.openxmlformats.org/drawingml/2006/main" xmlns:r="http://schemas.openxmlformats.org/officeDocument/2006/relationships" xmlns:p="http://schemas.openxmlformats.org/presentationml/2006/main">
   <p:cSld>
     <p:spTree>
@@ -18419,7 +20352,7 @@
               <a:pPr>
                 <a:defRPr/>
               </a:pPr>
-              <a:t>16</a:t>
+              <a:t>26</a:t>
             </a:fld>
             <a:endParaRPr lang="en-US" dirty="0"/>
           </a:p>
@@ -18527,7 +20460,7 @@
 </p:sld>
 </file>
 
-<file path=ppt/slides/slide17.xml><?xml version="1.0" encoding="utf-8"?>
+<file path=ppt/slides/slide27.xml><?xml version="1.0" encoding="utf-8"?>
 <p:sld xmlns:a="http://schemas.openxmlformats.org/drawingml/2006/main" xmlns:r="http://schemas.openxmlformats.org/officeDocument/2006/relationships" xmlns:p="http://schemas.openxmlformats.org/presentationml/2006/main">
   <p:cSld>
     <p:spTree>
@@ -18653,7 +20586,7 @@
               <a:pPr>
                 <a:defRPr/>
               </a:pPr>
-              <a:t>17</a:t>
+              <a:t>27</a:t>
             </a:fld>
             <a:endParaRPr lang="en-US" dirty="0"/>
           </a:p>
@@ -18701,7 +20634,7 @@
 </p:sld>
 </file>
 
-<file path=ppt/slides/slide18.xml><?xml version="1.0" encoding="utf-8"?>
+<file path=ppt/slides/slide28.xml><?xml version="1.0" encoding="utf-8"?>
 <p:sld xmlns:a="http://schemas.openxmlformats.org/drawingml/2006/main" xmlns:r="http://schemas.openxmlformats.org/officeDocument/2006/relationships" xmlns:p="http://schemas.openxmlformats.org/presentationml/2006/main">
   <p:cSld>
     <p:spTree>
@@ -18826,7 +20759,7 @@
               <a:pPr>
                 <a:defRPr/>
               </a:pPr>
-              <a:t>18</a:t>
+              <a:t>28</a:t>
             </a:fld>
             <a:endParaRPr lang="en-US" dirty="0"/>
           </a:p>
@@ -18874,7 +20807,7 @@
 </p:sld>
 </file>
 
-<file path=ppt/slides/slide19.xml><?xml version="1.0" encoding="utf-8"?>
+<file path=ppt/slides/slide29.xml><?xml version="1.0" encoding="utf-8"?>
 <p:sld xmlns:a="http://schemas.openxmlformats.org/drawingml/2006/main" xmlns:r="http://schemas.openxmlformats.org/officeDocument/2006/relationships" xmlns:p="http://schemas.openxmlformats.org/presentationml/2006/main">
   <p:cSld>
     <p:spTree>
@@ -19219,7 +21152,7 @@
                   <a:spcPct val="0"/>
                 </a:spcAft>
               </a:pPr>
-              <a:t>19</a:t>
+              <a:t>29</a:t>
             </a:fld>
             <a:endParaRPr lang="en-US" altLang="en-US" dirty="0">
               <a:solidFill>
@@ -19287,7 +21220,7 @@
 </p:sld>
 </file>
 
-<file path=ppt/slides/slide2.xml><?xml version="1.0" encoding="utf-8"?>
+<file path=ppt/slides/slide3.xml><?xml version="1.0" encoding="utf-8"?>
 <p:sld xmlns:a="http://schemas.openxmlformats.org/drawingml/2006/main" xmlns:r="http://schemas.openxmlformats.org/officeDocument/2006/relationships" xmlns:p="http://schemas.openxmlformats.org/presentationml/2006/main">
   <p:cSld>
     <p:spTree>
@@ -19306,18 +21239,18 @@
       </p:grpSpPr>
       <p:sp>
         <p:nvSpPr>
-          <p:cNvPr id="5" name="标题 4">
-            <a:extLst>
-              <a:ext uri="{FF2B5EF4-FFF2-40B4-BE49-F238E27FC236}">
-                <a16:creationId xmlns:a16="http://schemas.microsoft.com/office/drawing/2014/main" id="{1C7C72D1-2A93-4A60-B872-6B2F1C4B8C7A}"/>
-              </a:ext>
-            </a:extLst>
-          </p:cNvPr>
-          <p:cNvSpPr>
-            <a:spLocks noGrp="1"/>
-          </p:cNvSpPr>
-          <p:nvPr>
-            <p:ph type="title"/>
+          <p:cNvPr id="5" name="页脚占位符 4">
+            <a:extLst>
+              <a:ext uri="{FF2B5EF4-FFF2-40B4-BE49-F238E27FC236}">
+                <a16:creationId xmlns:a16="http://schemas.microsoft.com/office/drawing/2014/main" id="{A7FC5878-D853-4C50-9A01-31C5BD7FA5E9}"/>
+              </a:ext>
+            </a:extLst>
+          </p:cNvPr>
+          <p:cNvSpPr>
+            <a:spLocks noGrp="1"/>
+          </p:cNvSpPr>
+          <p:nvPr>
+            <p:ph type="ftr" sz="quarter" idx="11"/>
           </p:nvPr>
         </p:nvSpPr>
         <p:spPr/>
@@ -19325,65 +21258,31 @@
           <a:bodyPr/>
           <a:lstStyle/>
           <a:p>
-            <a:r>
-              <a:rPr lang="en-US" dirty="0"/>
-              <a:t>Home Page &lt;</a:t>
-            </a:r>
-            <a:r>
-              <a:rPr lang="en-US" dirty="0">
-                <a:hlinkClick r:id="rId2"/>
-              </a:rPr>
-              <a:t>https://www.calcite.apache.org</a:t>
-            </a:r>
-            <a:r>
-              <a:rPr lang="en-US" dirty="0"/>
-              <a:t>&gt;</a:t>
-            </a:r>
-          </a:p>
-        </p:txBody>
-      </p:sp>
-      <p:pic>
-        <p:nvPicPr>
-          <p:cNvPr id="9" name="内容占位符 8">
-            <a:extLst>
-              <a:ext uri="{FF2B5EF4-FFF2-40B4-BE49-F238E27FC236}">
-                <a16:creationId xmlns:a16="http://schemas.microsoft.com/office/drawing/2014/main" id="{B4A87D54-5A09-4C04-8613-A5441B0D25AA}"/>
-              </a:ext>
-            </a:extLst>
-          </p:cNvPr>
-          <p:cNvPicPr>
-            <a:picLocks noGrp="1" noChangeAspect="1"/>
-          </p:cNvPicPr>
-          <p:nvPr>
-            <p:ph idx="10"/>
-          </p:nvPr>
-        </p:nvPicPr>
-        <p:blipFill rotWithShape="1">
-          <a:blip r:embed="rId3"/>
-          <a:srcRect b="9514"/>
-          <a:stretch/>
-        </p:blipFill>
-        <p:spPr>
-          <a:xfrm>
-            <a:off x="0" y="959218"/>
-            <a:ext cx="12212126" cy="5072305"/>
-          </a:xfrm>
-        </p:spPr>
-      </p:pic>
-      <p:sp>
-        <p:nvSpPr>
-          <p:cNvPr id="4" name="页脚占位符 3">
-            <a:extLst>
-              <a:ext uri="{FF2B5EF4-FFF2-40B4-BE49-F238E27FC236}">
-                <a16:creationId xmlns:a16="http://schemas.microsoft.com/office/drawing/2014/main" id="{2534E824-82CD-4C12-8751-F8C03980E636}"/>
-              </a:ext>
-            </a:extLst>
-          </p:cNvPr>
-          <p:cNvSpPr>
-            <a:spLocks noGrp="1"/>
-          </p:cNvSpPr>
-          <p:nvPr>
-            <p:ph type="ftr" sz="quarter" idx="11"/>
+            <a:pPr>
+              <a:defRPr/>
+            </a:pPr>
+            <a:r>
+              <a:rPr lang="en-US"/>
+              <a:t>Copyright @ 2017 - 2023 Aaron. All rights reserved.</a:t>
+            </a:r>
+            <a:endParaRPr lang="en-US" dirty="0"/>
+          </a:p>
+        </p:txBody>
+      </p:sp>
+      <p:sp>
+        <p:nvSpPr>
+          <p:cNvPr id="6" name="灯片编号占位符 5">
+            <a:extLst>
+              <a:ext uri="{FF2B5EF4-FFF2-40B4-BE49-F238E27FC236}">
+                <a16:creationId xmlns:a16="http://schemas.microsoft.com/office/drawing/2014/main" id="{DC96AD8A-4EF3-4592-B4B7-C56B58A18A3B}"/>
+              </a:ext>
+            </a:extLst>
+          </p:cNvPr>
+          <p:cNvSpPr>
+            <a:spLocks noGrp="1"/>
+          </p:cNvSpPr>
+          <p:nvPr>
+            <p:ph type="sldNum" sz="quarter" idx="12"/>
           </p:nvPr>
         </p:nvSpPr>
         <p:spPr/>
@@ -19394,61 +21293,129 @@
             <a:pPr>
               <a:defRPr/>
             </a:pPr>
-            <a:r>
-              <a:rPr lang="en-US"/>
-              <a:t>Copyright @ 2017 - 2023 A</a:t>
-            </a:r>
-            <a:r>
-              <a:rPr lang="en-US" altLang="zh-CN"/>
-              <a:t>aron</a:t>
-            </a:r>
-            <a:r>
-              <a:rPr lang="en-US"/>
-              <a:t>. All rights reserved.</a:t>
-            </a:r>
-            <a:endParaRPr lang="en-US" dirty="0"/>
-          </a:p>
-        </p:txBody>
-      </p:sp>
-      <p:sp>
-        <p:nvSpPr>
-          <p:cNvPr id="3" name="灯片编号占位符 2">
-            <a:extLst>
-              <a:ext uri="{FF2B5EF4-FFF2-40B4-BE49-F238E27FC236}">
-                <a16:creationId xmlns:a16="http://schemas.microsoft.com/office/drawing/2014/main" id="{BBDC7E3B-698F-438E-9F32-9FAFF2176F83}"/>
-              </a:ext>
-            </a:extLst>
-          </p:cNvPr>
-          <p:cNvSpPr>
-            <a:spLocks noGrp="1"/>
-          </p:cNvSpPr>
-          <p:nvPr>
-            <p:ph type="sldNum" sz="quarter" idx="12"/>
-          </p:nvPr>
-        </p:nvSpPr>
-        <p:spPr/>
-        <p:txBody>
-          <a:bodyPr/>
-          <a:lstStyle/>
-          <a:p>
-            <a:pPr>
-              <a:defRPr/>
-            </a:pPr>
-            <a:fld id="{45A1B3F3-60E0-6745-9FE6-9C4771689AE1}" type="slidenum">
+            <a:fld id="{7636629C-DB39-B44B-9452-4DC450D43CB3}" type="slidenum">
               <a:rPr lang="en-US" smtClean="0"/>
               <a:pPr>
                 <a:defRPr/>
               </a:pPr>
-              <a:t>2</a:t>
+              <a:t>3</a:t>
             </a:fld>
             <a:endParaRPr lang="en-US" dirty="0"/>
+          </a:p>
+        </p:txBody>
+      </p:sp>
+      <p:sp>
+        <p:nvSpPr>
+          <p:cNvPr id="2" name="AutoShape 2" descr="https://upload-images.jianshu.io/upload_images/195230-7ec5a779d6bf1676.png?imageMogr2/auto-orient/strip|imageView2/2/w/968/format/webp">
+            <a:extLst>
+              <a:ext uri="{FF2B5EF4-FFF2-40B4-BE49-F238E27FC236}">
+                <a16:creationId xmlns:a16="http://schemas.microsoft.com/office/drawing/2014/main" id="{1867B79E-DC9C-42FA-8E59-C4344A9C45F7}"/>
+              </a:ext>
+            </a:extLst>
+          </p:cNvPr>
+          <p:cNvSpPr>
+            <a:spLocks noChangeAspect="1" noChangeArrowheads="1"/>
+          </p:cNvSpPr>
+          <p:nvPr/>
+        </p:nvSpPr>
+        <p:spPr bwMode="auto">
+          <a:xfrm>
+            <a:off x="5943600" y="3276600"/>
+            <a:ext cx="2470196" cy="2470196"/>
+          </a:xfrm>
+          <a:prstGeom prst="rect">
+            <a:avLst/>
+          </a:prstGeom>
+          <a:noFill/>
+          <a:extLst>
+            <a:ext uri="{909E8E84-426E-40DD-AFC4-6F175D3DCCD1}">
+              <a14:hiddenFill xmlns:a14="http://schemas.microsoft.com/office/drawing/2010/main">
+                <a:solidFill>
+                  <a:srgbClr val="FFFFFF"/>
+                </a:solidFill>
+              </a14:hiddenFill>
+            </a:ext>
+          </a:extLst>
+        </p:spPr>
+        <p:txBody>
+          <a:bodyPr vert="horz" wrap="square" lIns="91440" tIns="45720" rIns="91440" bIns="45720" numCol="1" anchor="t" anchorCtr="0" compatLnSpc="1">
+            <a:prstTxWarp prst="textNoShape">
+              <a:avLst/>
+            </a:prstTxWarp>
+          </a:bodyPr>
+          <a:lstStyle/>
+          <a:p>
+            <a:endParaRPr lang="en-US"/>
+          </a:p>
+        </p:txBody>
+      </p:sp>
+      <p:pic>
+        <p:nvPicPr>
+          <p:cNvPr id="4" name="图片 3">
+            <a:extLst>
+              <a:ext uri="{FF2B5EF4-FFF2-40B4-BE49-F238E27FC236}">
+                <a16:creationId xmlns:a16="http://schemas.microsoft.com/office/drawing/2014/main" id="{92CC2AA7-422D-4932-9715-732529C66D5A}"/>
+              </a:ext>
+            </a:extLst>
+          </p:cNvPr>
+          <p:cNvPicPr>
+            <a:picLocks noChangeAspect="1"/>
+          </p:cNvPicPr>
+          <p:nvPr/>
+        </p:nvPicPr>
+        <p:blipFill rotWithShape="1">
+          <a:blip r:embed="rId2"/>
+          <a:srcRect b="2015"/>
+          <a:stretch/>
+        </p:blipFill>
+        <p:spPr>
+          <a:xfrm>
+            <a:off x="4362586" y="96449"/>
+            <a:ext cx="7254897" cy="5955695"/>
+          </a:xfrm>
+          <a:prstGeom prst="rect">
+            <a:avLst/>
+          </a:prstGeom>
+        </p:spPr>
+      </p:pic>
+      <p:sp>
+        <p:nvSpPr>
+          <p:cNvPr id="8" name="标题 6">
+            <a:extLst>
+              <a:ext uri="{FF2B5EF4-FFF2-40B4-BE49-F238E27FC236}">
+                <a16:creationId xmlns:a16="http://schemas.microsoft.com/office/drawing/2014/main" id="{52548155-A6B7-4964-B29B-741E48C93E82}"/>
+              </a:ext>
+            </a:extLst>
+          </p:cNvPr>
+          <p:cNvSpPr>
+            <a:spLocks noGrp="1"/>
+          </p:cNvSpPr>
+          <p:nvPr>
+            <p:ph type="title"/>
+          </p:nvPr>
+        </p:nvSpPr>
+        <p:spPr>
+          <a:xfrm>
+            <a:off x="240941" y="365126"/>
+            <a:ext cx="11710118" cy="644278"/>
+          </a:xfrm>
+        </p:spPr>
+        <p:txBody>
+          <a:bodyPr/>
+          <a:lstStyle/>
+          <a:p>
+            <a:r>
+              <a:rPr lang="en-US" dirty="0"/>
+              <a:t>Architecture</a:t>
+            </a:r>
+            <a:endParaRPr lang="en-US" b="0" dirty="0"/>
           </a:p>
         </p:txBody>
       </p:sp>
     </p:spTree>
     <p:extLst>
       <p:ext uri="{BB962C8B-B14F-4D97-AF65-F5344CB8AC3E}">
-        <p14:creationId xmlns:p14="http://schemas.microsoft.com/office/powerpoint/2010/main" val="748824793"/>
+        <p14:creationId xmlns:p14="http://schemas.microsoft.com/office/powerpoint/2010/main" val="547615766"/>
       </p:ext>
     </p:extLst>
   </p:cSld>
@@ -19458,7 +21425,7 @@
 </p:sld>
 </file>
 
-<file path=ppt/slides/slide20.xml><?xml version="1.0" encoding="utf-8"?>
+<file path=ppt/slides/slide30.xml><?xml version="1.0" encoding="utf-8"?>
 <p:sld xmlns:a="http://schemas.openxmlformats.org/drawingml/2006/main" xmlns:r="http://schemas.openxmlformats.org/officeDocument/2006/relationships" xmlns:p="http://schemas.openxmlformats.org/presentationml/2006/main">
   <p:cSld>
     <p:spTree>
@@ -20002,7 +21969,7 @@
                   <a:spcPct val="0"/>
                 </a:spcAft>
               </a:pPr>
-              <a:t>20</a:t>
+              <a:t>30</a:t>
             </a:fld>
             <a:endParaRPr lang="en-US" altLang="en-US" dirty="0">
               <a:solidFill>
@@ -20264,7 +22231,7 @@
 </p:sld>
 </file>
 
-<file path=ppt/slides/slide21.xml><?xml version="1.0" encoding="utf-8"?>
+<file path=ppt/slides/slide31.xml><?xml version="1.0" encoding="utf-8"?>
 <p:sld xmlns:a="http://schemas.openxmlformats.org/drawingml/2006/main" xmlns:r="http://schemas.openxmlformats.org/officeDocument/2006/relationships" xmlns:p="http://schemas.openxmlformats.org/presentationml/2006/main">
   <p:cSld>
     <p:spTree>
@@ -20601,7 +22568,7 @@
                   <a:spcPct val="0"/>
                 </a:spcAft>
               </a:pPr>
-              <a:t>21</a:t>
+              <a:t>31</a:t>
             </a:fld>
             <a:endParaRPr lang="en-US" altLang="en-US" dirty="0">
               <a:solidFill>
@@ -20660,211 +22627,6 @@
     <p:extLst>
       <p:ext uri="{BB962C8B-B14F-4D97-AF65-F5344CB8AC3E}">
         <p14:creationId xmlns:p14="http://schemas.microsoft.com/office/powerpoint/2010/main" val="3528087370"/>
-      </p:ext>
-    </p:extLst>
-  </p:cSld>
-  <p:clrMapOvr>
-    <a:masterClrMapping/>
-  </p:clrMapOvr>
-</p:sld>
-</file>
-
-<file path=ppt/slides/slide3.xml><?xml version="1.0" encoding="utf-8"?>
-<p:sld xmlns:a="http://schemas.openxmlformats.org/drawingml/2006/main" xmlns:r="http://schemas.openxmlformats.org/officeDocument/2006/relationships" xmlns:p="http://schemas.openxmlformats.org/presentationml/2006/main">
-  <p:cSld>
-    <p:spTree>
-      <p:nvGrpSpPr>
-        <p:cNvPr id="1" name=""/>
-        <p:cNvGrpSpPr/>
-        <p:nvPr/>
-      </p:nvGrpSpPr>
-      <p:grpSpPr>
-        <a:xfrm>
-          <a:off x="0" y="0"/>
-          <a:ext cx="0" cy="0"/>
-          <a:chOff x="0" y="0"/>
-          <a:chExt cx="0" cy="0"/>
-        </a:xfrm>
-      </p:grpSpPr>
-      <p:sp>
-        <p:nvSpPr>
-          <p:cNvPr id="5" name="页脚占位符 4">
-            <a:extLst>
-              <a:ext uri="{FF2B5EF4-FFF2-40B4-BE49-F238E27FC236}">
-                <a16:creationId xmlns:a16="http://schemas.microsoft.com/office/drawing/2014/main" id="{A7FC5878-D853-4C50-9A01-31C5BD7FA5E9}"/>
-              </a:ext>
-            </a:extLst>
-          </p:cNvPr>
-          <p:cNvSpPr>
-            <a:spLocks noGrp="1"/>
-          </p:cNvSpPr>
-          <p:nvPr>
-            <p:ph type="ftr" sz="quarter" idx="11"/>
-          </p:nvPr>
-        </p:nvSpPr>
-        <p:spPr/>
-        <p:txBody>
-          <a:bodyPr/>
-          <a:lstStyle/>
-          <a:p>
-            <a:pPr>
-              <a:defRPr/>
-            </a:pPr>
-            <a:r>
-              <a:rPr lang="en-US"/>
-              <a:t>Copyright @ 2017 - 2023 Aaron. All rights reserved.</a:t>
-            </a:r>
-            <a:endParaRPr lang="en-US" dirty="0"/>
-          </a:p>
-        </p:txBody>
-      </p:sp>
-      <p:sp>
-        <p:nvSpPr>
-          <p:cNvPr id="6" name="灯片编号占位符 5">
-            <a:extLst>
-              <a:ext uri="{FF2B5EF4-FFF2-40B4-BE49-F238E27FC236}">
-                <a16:creationId xmlns:a16="http://schemas.microsoft.com/office/drawing/2014/main" id="{DC96AD8A-4EF3-4592-B4B7-C56B58A18A3B}"/>
-              </a:ext>
-            </a:extLst>
-          </p:cNvPr>
-          <p:cNvSpPr>
-            <a:spLocks noGrp="1"/>
-          </p:cNvSpPr>
-          <p:nvPr>
-            <p:ph type="sldNum" sz="quarter" idx="12"/>
-          </p:nvPr>
-        </p:nvSpPr>
-        <p:spPr/>
-        <p:txBody>
-          <a:bodyPr/>
-          <a:lstStyle/>
-          <a:p>
-            <a:pPr>
-              <a:defRPr/>
-            </a:pPr>
-            <a:fld id="{7636629C-DB39-B44B-9452-4DC450D43CB3}" type="slidenum">
-              <a:rPr lang="en-US" smtClean="0"/>
-              <a:pPr>
-                <a:defRPr/>
-              </a:pPr>
-              <a:t>3</a:t>
-            </a:fld>
-            <a:endParaRPr lang="en-US" dirty="0"/>
-          </a:p>
-        </p:txBody>
-      </p:sp>
-      <p:sp>
-        <p:nvSpPr>
-          <p:cNvPr id="2" name="AutoShape 2" descr="https://upload-images.jianshu.io/upload_images/195230-7ec5a779d6bf1676.png?imageMogr2/auto-orient/strip|imageView2/2/w/968/format/webp">
-            <a:extLst>
-              <a:ext uri="{FF2B5EF4-FFF2-40B4-BE49-F238E27FC236}">
-                <a16:creationId xmlns:a16="http://schemas.microsoft.com/office/drawing/2014/main" id="{1867B79E-DC9C-42FA-8E59-C4344A9C45F7}"/>
-              </a:ext>
-            </a:extLst>
-          </p:cNvPr>
-          <p:cNvSpPr>
-            <a:spLocks noChangeAspect="1" noChangeArrowheads="1"/>
-          </p:cNvSpPr>
-          <p:nvPr/>
-        </p:nvSpPr>
-        <p:spPr bwMode="auto">
-          <a:xfrm>
-            <a:off x="5943600" y="3276600"/>
-            <a:ext cx="2470196" cy="2470196"/>
-          </a:xfrm>
-          <a:prstGeom prst="rect">
-            <a:avLst/>
-          </a:prstGeom>
-          <a:noFill/>
-          <a:extLst>
-            <a:ext uri="{909E8E84-426E-40DD-AFC4-6F175D3DCCD1}">
-              <a14:hiddenFill xmlns:a14="http://schemas.microsoft.com/office/drawing/2010/main">
-                <a:solidFill>
-                  <a:srgbClr val="FFFFFF"/>
-                </a:solidFill>
-              </a14:hiddenFill>
-            </a:ext>
-          </a:extLst>
-        </p:spPr>
-        <p:txBody>
-          <a:bodyPr vert="horz" wrap="square" lIns="91440" tIns="45720" rIns="91440" bIns="45720" numCol="1" anchor="t" anchorCtr="0" compatLnSpc="1">
-            <a:prstTxWarp prst="textNoShape">
-              <a:avLst/>
-            </a:prstTxWarp>
-          </a:bodyPr>
-          <a:lstStyle/>
-          <a:p>
-            <a:endParaRPr lang="en-US"/>
-          </a:p>
-        </p:txBody>
-      </p:sp>
-      <p:pic>
-        <p:nvPicPr>
-          <p:cNvPr id="4" name="图片 3">
-            <a:extLst>
-              <a:ext uri="{FF2B5EF4-FFF2-40B4-BE49-F238E27FC236}">
-                <a16:creationId xmlns:a16="http://schemas.microsoft.com/office/drawing/2014/main" id="{92CC2AA7-422D-4932-9715-732529C66D5A}"/>
-              </a:ext>
-            </a:extLst>
-          </p:cNvPr>
-          <p:cNvPicPr>
-            <a:picLocks noChangeAspect="1"/>
-          </p:cNvPicPr>
-          <p:nvPr/>
-        </p:nvPicPr>
-        <p:blipFill rotWithShape="1">
-          <a:blip r:embed="rId2"/>
-          <a:srcRect b="2015"/>
-          <a:stretch/>
-        </p:blipFill>
-        <p:spPr>
-          <a:xfrm>
-            <a:off x="4362586" y="96449"/>
-            <a:ext cx="7254897" cy="5955695"/>
-          </a:xfrm>
-          <a:prstGeom prst="rect">
-            <a:avLst/>
-          </a:prstGeom>
-        </p:spPr>
-      </p:pic>
-      <p:sp>
-        <p:nvSpPr>
-          <p:cNvPr id="8" name="标题 6">
-            <a:extLst>
-              <a:ext uri="{FF2B5EF4-FFF2-40B4-BE49-F238E27FC236}">
-                <a16:creationId xmlns:a16="http://schemas.microsoft.com/office/drawing/2014/main" id="{52548155-A6B7-4964-B29B-741E48C93E82}"/>
-              </a:ext>
-            </a:extLst>
-          </p:cNvPr>
-          <p:cNvSpPr>
-            <a:spLocks noGrp="1"/>
-          </p:cNvSpPr>
-          <p:nvPr>
-            <p:ph type="title"/>
-          </p:nvPr>
-        </p:nvSpPr>
-        <p:spPr>
-          <a:xfrm>
-            <a:off x="240941" y="365126"/>
-            <a:ext cx="11710118" cy="644278"/>
-          </a:xfrm>
-        </p:spPr>
-        <p:txBody>
-          <a:bodyPr/>
-          <a:lstStyle/>
-          <a:p>
-            <a:r>
-              <a:rPr lang="en-US" dirty="0"/>
-              <a:t>Architecture</a:t>
-            </a:r>
-            <a:endParaRPr lang="en-US" b="0" dirty="0"/>
-          </a:p>
-        </p:txBody>
-      </p:sp>
-    </p:spTree>
-    <p:extLst>
-      <p:ext uri="{BB962C8B-B14F-4D97-AF65-F5344CB8AC3E}">
-        <p14:creationId xmlns:p14="http://schemas.microsoft.com/office/powerpoint/2010/main" val="547615766"/>
       </p:ext>
     </p:extLst>
   </p:cSld>
@@ -20893,18 +22655,18 @@
       </p:grpSpPr>
       <p:sp>
         <p:nvSpPr>
-          <p:cNvPr id="5" name="页脚占位符 4">
-            <a:extLst>
-              <a:ext uri="{FF2B5EF4-FFF2-40B4-BE49-F238E27FC236}">
-                <a16:creationId xmlns:a16="http://schemas.microsoft.com/office/drawing/2014/main" id="{A7FC5878-D853-4C50-9A01-31C5BD7FA5E9}"/>
-              </a:ext>
-            </a:extLst>
-          </p:cNvPr>
-          <p:cNvSpPr>
-            <a:spLocks noGrp="1"/>
-          </p:cNvSpPr>
-          <p:nvPr>
-            <p:ph type="ftr" sz="quarter" idx="11"/>
+          <p:cNvPr id="5" name="标题 4">
+            <a:extLst>
+              <a:ext uri="{FF2B5EF4-FFF2-40B4-BE49-F238E27FC236}">
+                <a16:creationId xmlns:a16="http://schemas.microsoft.com/office/drawing/2014/main" id="{1C7C72D1-2A93-4A60-B872-6B2F1C4B8C7A}"/>
+              </a:ext>
+            </a:extLst>
+          </p:cNvPr>
+          <p:cNvSpPr>
+            <a:spLocks noGrp="1"/>
+          </p:cNvSpPr>
+          <p:nvPr>
+            <p:ph type="title"/>
           </p:nvPr>
         </p:nvSpPr>
         <p:spPr/>
@@ -20912,12 +22674,23 @@
           <a:bodyPr/>
           <a:lstStyle/>
           <a:p>
-            <a:pPr>
-              <a:defRPr/>
-            </a:pPr>
-            <a:r>
-              <a:rPr lang="en-US"/>
-              <a:t>Copyright @ 2017 - 2023 Aaron. All rights reserved.</a:t>
+            <a:r>
+              <a:rPr lang="en-US" dirty="0" err="1"/>
+              <a:t>A</a:t>
+            </a:r>
+            <a:r>
+              <a:rPr lang="en-US" altLang="zh-CN" dirty="0" err="1"/>
+              <a:t>vatica</a:t>
+            </a:r>
+            <a:r>
+              <a:rPr lang="en-US" dirty="0"/>
+              <a:t>&lt;</a:t>
+            </a:r>
+            <a:r>
+              <a:rPr lang="en-US" dirty="0">
+                <a:hlinkClick r:id="rId2"/>
+              </a:rPr>
+              <a:t>https://calcite.apache.org/avatica/&gt;</a:t>
             </a:r>
             <a:endParaRPr lang="en-US" dirty="0"/>
           </a:p>
@@ -20925,18 +22698,18 @@
       </p:sp>
       <p:sp>
         <p:nvSpPr>
-          <p:cNvPr id="6" name="灯片编号占位符 5">
-            <a:extLst>
-              <a:ext uri="{FF2B5EF4-FFF2-40B4-BE49-F238E27FC236}">
-                <a16:creationId xmlns:a16="http://schemas.microsoft.com/office/drawing/2014/main" id="{DC96AD8A-4EF3-4592-B4B7-C56B58A18A3B}"/>
-              </a:ext>
-            </a:extLst>
-          </p:cNvPr>
-          <p:cNvSpPr>
-            <a:spLocks noGrp="1"/>
-          </p:cNvSpPr>
-          <p:nvPr>
-            <p:ph type="sldNum" sz="quarter" idx="12"/>
+          <p:cNvPr id="4" name="页脚占位符 3">
+            <a:extLst>
+              <a:ext uri="{FF2B5EF4-FFF2-40B4-BE49-F238E27FC236}">
+                <a16:creationId xmlns:a16="http://schemas.microsoft.com/office/drawing/2014/main" id="{2534E824-82CD-4C12-8751-F8C03980E636}"/>
+              </a:ext>
+            </a:extLst>
+          </p:cNvPr>
+          <p:cNvSpPr>
+            <a:spLocks noGrp="1"/>
+          </p:cNvSpPr>
+          <p:nvPr>
+            <p:ph type="ftr" sz="quarter" idx="11"/>
           </p:nvPr>
         </p:nvSpPr>
         <p:spPr/>
@@ -20947,7 +22720,47 @@
             <a:pPr>
               <a:defRPr/>
             </a:pPr>
-            <a:fld id="{7636629C-DB39-B44B-9452-4DC450D43CB3}" type="slidenum">
+            <a:r>
+              <a:rPr lang="en-US"/>
+              <a:t>Copyright @ 2017 - 2023 A</a:t>
+            </a:r>
+            <a:r>
+              <a:rPr lang="en-US" altLang="zh-CN"/>
+              <a:t>aron</a:t>
+            </a:r>
+            <a:r>
+              <a:rPr lang="en-US"/>
+              <a:t>. All rights reserved.</a:t>
+            </a:r>
+            <a:endParaRPr lang="en-US" dirty="0"/>
+          </a:p>
+        </p:txBody>
+      </p:sp>
+      <p:sp>
+        <p:nvSpPr>
+          <p:cNvPr id="3" name="灯片编号占位符 2">
+            <a:extLst>
+              <a:ext uri="{FF2B5EF4-FFF2-40B4-BE49-F238E27FC236}">
+                <a16:creationId xmlns:a16="http://schemas.microsoft.com/office/drawing/2014/main" id="{BBDC7E3B-698F-438E-9F32-9FAFF2176F83}"/>
+              </a:ext>
+            </a:extLst>
+          </p:cNvPr>
+          <p:cNvSpPr>
+            <a:spLocks noGrp="1"/>
+          </p:cNvSpPr>
+          <p:nvPr>
+            <p:ph type="sldNum" sz="quarter" idx="12"/>
+          </p:nvPr>
+        </p:nvSpPr>
+        <p:spPr/>
+        <p:txBody>
+          <a:bodyPr/>
+          <a:lstStyle/>
+          <a:p>
+            <a:pPr>
+              <a:defRPr/>
+            </a:pPr>
+            <a:fld id="{45A1B3F3-60E0-6745-9FE6-9C4771689AE1}" type="slidenum">
               <a:rPr lang="en-US" smtClean="0"/>
               <a:pPr>
                 <a:defRPr/>
@@ -20958,57 +22771,65 @@
           </a:p>
         </p:txBody>
       </p:sp>
+      <p:sp>
+        <p:nvSpPr>
+          <p:cNvPr id="6" name="内容占位符 5">
+            <a:extLst>
+              <a:ext uri="{FF2B5EF4-FFF2-40B4-BE49-F238E27FC236}">
+                <a16:creationId xmlns:a16="http://schemas.microsoft.com/office/drawing/2014/main" id="{48F7FC36-9B56-418B-9855-52777009E4AE}"/>
+              </a:ext>
+            </a:extLst>
+          </p:cNvPr>
+          <p:cNvSpPr>
+            <a:spLocks noGrp="1"/>
+          </p:cNvSpPr>
+          <p:nvPr>
+            <p:ph idx="10"/>
+          </p:nvPr>
+        </p:nvSpPr>
+        <p:spPr/>
+        <p:txBody>
+          <a:bodyPr/>
+          <a:lstStyle/>
+          <a:p>
+            <a:endParaRPr lang="en-US"/>
+          </a:p>
+        </p:txBody>
+      </p:sp>
       <p:pic>
         <p:nvPicPr>
-          <p:cNvPr id="1026" name="Picture 2" descr="Introduction to Relational Algebra » CS Taleem">
-            <a:extLst>
-              <a:ext uri="{FF2B5EF4-FFF2-40B4-BE49-F238E27FC236}">
-                <a16:creationId xmlns:a16="http://schemas.microsoft.com/office/drawing/2014/main" id="{7E8EEF37-856B-4A0A-B74A-E6613A1D207D}"/>
+          <p:cNvPr id="8" name="图片 7">
+            <a:extLst>
+              <a:ext uri="{FF2B5EF4-FFF2-40B4-BE49-F238E27FC236}">
+                <a16:creationId xmlns:a16="http://schemas.microsoft.com/office/drawing/2014/main" id="{4F40B134-4184-4431-97B0-08FC8FED0CC3}"/>
               </a:ext>
             </a:extLst>
           </p:cNvPr>
           <p:cNvPicPr>
-            <a:picLocks noChangeAspect="1" noChangeArrowheads="1"/>
+            <a:picLocks noChangeAspect="1"/>
           </p:cNvPicPr>
           <p:nvPr/>
         </p:nvPicPr>
         <p:blipFill>
-          <a:blip r:embed="rId2">
-            <a:extLst>
-              <a:ext uri="{28A0092B-C50C-407E-A947-70E740481C1C}">
-                <a14:useLocalDpi xmlns:a14="http://schemas.microsoft.com/office/drawing/2010/main" val="0"/>
-              </a:ext>
-            </a:extLst>
-          </a:blip>
-          <a:srcRect/>
+          <a:blip r:embed="rId3"/>
           <a:stretch>
             <a:fillRect/>
           </a:stretch>
         </p:blipFill>
-        <p:spPr bwMode="auto">
-          <a:xfrm>
-            <a:off x="628747" y="671945"/>
-            <a:ext cx="10822034" cy="5071818"/>
+        <p:spPr>
+          <a:xfrm>
+            <a:off x="0" y="916674"/>
+            <a:ext cx="12192000" cy="5113867"/>
           </a:xfrm>
           <a:prstGeom prst="rect">
             <a:avLst/>
           </a:prstGeom>
-          <a:noFill/>
-          <a:extLst>
-            <a:ext uri="{909E8E84-426E-40DD-AFC4-6F175D3DCCD1}">
-              <a14:hiddenFill xmlns:a14="http://schemas.microsoft.com/office/drawing/2010/main">
-                <a:solidFill>
-                  <a:srgbClr val="FFFFFF"/>
-                </a:solidFill>
-              </a14:hiddenFill>
-            </a:ext>
-          </a:extLst>
         </p:spPr>
       </p:pic>
     </p:spTree>
     <p:extLst>
       <p:ext uri="{BB962C8B-B14F-4D97-AF65-F5344CB8AC3E}">
-        <p14:creationId xmlns:p14="http://schemas.microsoft.com/office/powerpoint/2010/main" val="3857932902"/>
+        <p14:creationId xmlns:p14="http://schemas.microsoft.com/office/powerpoint/2010/main" val="1073169657"/>
       </p:ext>
     </p:extLst>
   </p:cSld>
@@ -21037,48 +22858,6 @@
       </p:grpSpPr>
       <p:sp>
         <p:nvSpPr>
-          <p:cNvPr id="7" name="标题 6">
-            <a:extLst>
-              <a:ext uri="{FF2B5EF4-FFF2-40B4-BE49-F238E27FC236}">
-                <a16:creationId xmlns:a16="http://schemas.microsoft.com/office/drawing/2014/main" id="{0E5687B6-2DF7-4069-A641-049E0B1343D3}"/>
-              </a:ext>
-            </a:extLst>
-          </p:cNvPr>
-          <p:cNvSpPr>
-            <a:spLocks noGrp="1"/>
-          </p:cNvSpPr>
-          <p:nvPr>
-            <p:ph type="title"/>
-          </p:nvPr>
-        </p:nvSpPr>
-        <p:spPr>
-          <a:xfrm>
-            <a:off x="240941" y="365126"/>
-            <a:ext cx="11710118" cy="644278"/>
-          </a:xfrm>
-        </p:spPr>
-        <p:txBody>
-          <a:bodyPr/>
-          <a:lstStyle/>
-          <a:p>
-            <a:r>
-              <a:rPr lang="en-US" dirty="0"/>
-              <a:t>R</a:t>
-            </a:r>
-            <a:r>
-              <a:rPr lang="en-US" altLang="zh-CN" dirty="0"/>
-              <a:t>elation Algebra – Project </a:t>
-            </a:r>
-            <a:r>
-              <a:rPr lang="en-US" altLang="zh-CN" b="0" dirty="0"/>
-              <a:t>Ⅱ</a:t>
-            </a:r>
-            <a:endParaRPr lang="en-US" b="0" dirty="0"/>
-          </a:p>
-        </p:txBody>
-      </p:sp>
-      <p:sp>
-        <p:nvSpPr>
           <p:cNvPr id="5" name="页脚占位符 4">
             <a:extLst>
               <a:ext uri="{FF2B5EF4-FFF2-40B4-BE49-F238E27FC236}">
@@ -21144,12 +22923,57 @@
           </a:p>
         </p:txBody>
       </p:sp>
+      <p:sp>
+        <p:nvSpPr>
+          <p:cNvPr id="2" name="AutoShape 2" descr="https://upload-images.jianshu.io/upload_images/195230-7ec5a779d6bf1676.png?imageMogr2/auto-orient/strip|imageView2/2/w/968/format/webp">
+            <a:extLst>
+              <a:ext uri="{FF2B5EF4-FFF2-40B4-BE49-F238E27FC236}">
+                <a16:creationId xmlns:a16="http://schemas.microsoft.com/office/drawing/2014/main" id="{1867B79E-DC9C-42FA-8E59-C4344A9C45F7}"/>
+              </a:ext>
+            </a:extLst>
+          </p:cNvPr>
+          <p:cNvSpPr>
+            <a:spLocks noChangeAspect="1" noChangeArrowheads="1"/>
+          </p:cNvSpPr>
+          <p:nvPr/>
+        </p:nvSpPr>
+        <p:spPr bwMode="auto">
+          <a:xfrm>
+            <a:off x="5943600" y="3276600"/>
+            <a:ext cx="2470196" cy="2470196"/>
+          </a:xfrm>
+          <a:prstGeom prst="rect">
+            <a:avLst/>
+          </a:prstGeom>
+          <a:noFill/>
+          <a:extLst>
+            <a:ext uri="{909E8E84-426E-40DD-AFC4-6F175D3DCCD1}">
+              <a14:hiddenFill xmlns:a14="http://schemas.microsoft.com/office/drawing/2010/main">
+                <a:solidFill>
+                  <a:srgbClr val="FFFFFF"/>
+                </a:solidFill>
+              </a14:hiddenFill>
+            </a:ext>
+          </a:extLst>
+        </p:spPr>
+        <p:txBody>
+          <a:bodyPr vert="horz" wrap="square" lIns="91440" tIns="45720" rIns="91440" bIns="45720" numCol="1" anchor="t" anchorCtr="0" compatLnSpc="1">
+            <a:prstTxWarp prst="textNoShape">
+              <a:avLst/>
+            </a:prstTxWarp>
+          </a:bodyPr>
+          <a:lstStyle/>
+          <a:p>
+            <a:endParaRPr lang="en-US"/>
+          </a:p>
+        </p:txBody>
+      </p:sp>
       <p:pic>
         <p:nvPicPr>
           <p:cNvPr id="4" name="图片 3">
             <a:extLst>
               <a:ext uri="{FF2B5EF4-FFF2-40B4-BE49-F238E27FC236}">
-                <a16:creationId xmlns:a16="http://schemas.microsoft.com/office/drawing/2014/main" id="{85BDAE44-A1B3-462C-A117-B4908CA0DB69}"/>
+                <a16:creationId xmlns:a16="http://schemas.microsoft.com/office/drawing/2014/main" id="{92CC2AA7-422D-4932-9715-732529C66D5A}"/>
               </a:ext>
             </a:extLst>
           </p:cNvPr>
@@ -21160,23 +22984,57 @@
         </p:nvPicPr>
         <p:blipFill rotWithShape="1">
           <a:blip r:embed="rId2"/>
-          <a:srcRect b="2518"/>
+          <a:srcRect b="2015"/>
           <a:stretch/>
         </p:blipFill>
         <p:spPr>
           <a:xfrm>
-            <a:off x="5257251" y="687265"/>
-            <a:ext cx="6400800" cy="5236832"/>
+            <a:off x="4362586" y="96449"/>
+            <a:ext cx="7254897" cy="5955695"/>
           </a:xfrm>
           <a:prstGeom prst="rect">
             <a:avLst/>
           </a:prstGeom>
         </p:spPr>
       </p:pic>
+      <p:sp>
+        <p:nvSpPr>
+          <p:cNvPr id="8" name="标题 6">
+            <a:extLst>
+              <a:ext uri="{FF2B5EF4-FFF2-40B4-BE49-F238E27FC236}">
+                <a16:creationId xmlns:a16="http://schemas.microsoft.com/office/drawing/2014/main" id="{52548155-A6B7-4964-B29B-741E48C93E82}"/>
+              </a:ext>
+            </a:extLst>
+          </p:cNvPr>
+          <p:cNvSpPr>
+            <a:spLocks noGrp="1"/>
+          </p:cNvSpPr>
+          <p:nvPr>
+            <p:ph type="title"/>
+          </p:nvPr>
+        </p:nvSpPr>
+        <p:spPr>
+          <a:xfrm>
+            <a:off x="240941" y="365126"/>
+            <a:ext cx="11710118" cy="644278"/>
+          </a:xfrm>
+        </p:spPr>
+        <p:txBody>
+          <a:bodyPr/>
+          <a:lstStyle/>
+          <a:p>
+            <a:r>
+              <a:rPr lang="en-US" dirty="0"/>
+              <a:t>Architecture</a:t>
+            </a:r>
+            <a:endParaRPr lang="en-US" b="0" dirty="0"/>
+          </a:p>
+        </p:txBody>
+      </p:sp>
     </p:spTree>
     <p:extLst>
       <p:ext uri="{BB962C8B-B14F-4D97-AF65-F5344CB8AC3E}">
-        <p14:creationId xmlns:p14="http://schemas.microsoft.com/office/powerpoint/2010/main" val="713665678"/>
+        <p14:creationId xmlns:p14="http://schemas.microsoft.com/office/powerpoint/2010/main" val="614237812"/>
       </p:ext>
     </p:extLst>
   </p:cSld>
@@ -21205,48 +23063,6 @@
       </p:grpSpPr>
       <p:sp>
         <p:nvSpPr>
-          <p:cNvPr id="7" name="标题 6">
-            <a:extLst>
-              <a:ext uri="{FF2B5EF4-FFF2-40B4-BE49-F238E27FC236}">
-                <a16:creationId xmlns:a16="http://schemas.microsoft.com/office/drawing/2014/main" id="{0E5687B6-2DF7-4069-A641-049E0B1343D3}"/>
-              </a:ext>
-            </a:extLst>
-          </p:cNvPr>
-          <p:cNvSpPr>
-            <a:spLocks noGrp="1"/>
-          </p:cNvSpPr>
-          <p:nvPr>
-            <p:ph type="title"/>
-          </p:nvPr>
-        </p:nvSpPr>
-        <p:spPr>
-          <a:xfrm>
-            <a:off x="240941" y="365126"/>
-            <a:ext cx="11710118" cy="644278"/>
-          </a:xfrm>
-        </p:spPr>
-        <p:txBody>
-          <a:bodyPr/>
-          <a:lstStyle/>
-          <a:p>
-            <a:r>
-              <a:rPr lang="en-US" dirty="0"/>
-              <a:t>R</a:t>
-            </a:r>
-            <a:r>
-              <a:rPr lang="en-US" altLang="zh-CN" dirty="0"/>
-              <a:t>elation Algebra – Select </a:t>
-            </a:r>
-            <a:r>
-              <a:rPr lang="el-GR" i="1" dirty="0"/>
-              <a:t>σ</a:t>
-            </a:r>
-            <a:endParaRPr lang="en-US" dirty="0"/>
-          </a:p>
-        </p:txBody>
-      </p:sp>
-      <p:sp>
-        <p:nvSpPr>
           <p:cNvPr id="5" name="页脚占位符 4">
             <a:extLst>
               <a:ext uri="{FF2B5EF4-FFF2-40B4-BE49-F238E27FC236}">
@@ -21314,38 +23130,55 @@
       </p:sp>
       <p:pic>
         <p:nvPicPr>
-          <p:cNvPr id="2" name="图片 1">
-            <a:extLst>
-              <a:ext uri="{FF2B5EF4-FFF2-40B4-BE49-F238E27FC236}">
-                <a16:creationId xmlns:a16="http://schemas.microsoft.com/office/drawing/2014/main" id="{1B262B00-D985-449E-98E5-3746AD8A5374}"/>
+          <p:cNvPr id="1026" name="Picture 2" descr="Introduction to Relational Algebra » CS Taleem">
+            <a:extLst>
+              <a:ext uri="{FF2B5EF4-FFF2-40B4-BE49-F238E27FC236}">
+                <a16:creationId xmlns:a16="http://schemas.microsoft.com/office/drawing/2014/main" id="{7E8EEF37-856B-4A0A-B74A-E6613A1D207D}"/>
               </a:ext>
             </a:extLst>
           </p:cNvPr>
           <p:cNvPicPr>
-            <a:picLocks noChangeAspect="1"/>
+            <a:picLocks noChangeAspect="1" noChangeArrowheads="1"/>
           </p:cNvPicPr>
           <p:nvPr/>
         </p:nvPicPr>
         <p:blipFill>
-          <a:blip r:embed="rId2"/>
+          <a:blip r:embed="rId2">
+            <a:extLst>
+              <a:ext uri="{28A0092B-C50C-407E-A947-70E740481C1C}">
+                <a14:useLocalDpi xmlns:a14="http://schemas.microsoft.com/office/drawing/2010/main" val="0"/>
+              </a:ext>
+            </a:extLst>
+          </a:blip>
+          <a:srcRect/>
           <a:stretch>
             <a:fillRect/>
           </a:stretch>
         </p:blipFill>
-        <p:spPr>
-          <a:xfrm>
-            <a:off x="4009614" y="1090098"/>
-            <a:ext cx="7401202" cy="4889683"/>
+        <p:spPr bwMode="auto">
+          <a:xfrm>
+            <a:off x="628747" y="671945"/>
+            <a:ext cx="10822034" cy="5071818"/>
           </a:xfrm>
           <a:prstGeom prst="rect">
             <a:avLst/>
           </a:prstGeom>
+          <a:noFill/>
+          <a:extLst>
+            <a:ext uri="{909E8E84-426E-40DD-AFC4-6F175D3DCCD1}">
+              <a14:hiddenFill xmlns:a14="http://schemas.microsoft.com/office/drawing/2010/main">
+                <a:solidFill>
+                  <a:srgbClr val="FFFFFF"/>
+                </a:solidFill>
+              </a14:hiddenFill>
+            </a:ext>
+          </a:extLst>
         </p:spPr>
       </p:pic>
     </p:spTree>
     <p:extLst>
       <p:ext uri="{BB962C8B-B14F-4D97-AF65-F5344CB8AC3E}">
-        <p14:creationId xmlns:p14="http://schemas.microsoft.com/office/powerpoint/2010/main" val="2408236217"/>
+        <p14:creationId xmlns:p14="http://schemas.microsoft.com/office/powerpoint/2010/main" val="3857932902"/>
       </p:ext>
     </p:extLst>
   </p:cSld>
@@ -21404,13 +23237,13 @@
             </a:r>
             <a:r>
               <a:rPr lang="en-US" altLang="zh-CN" dirty="0"/>
-              <a:t>elation Algebra – Rename </a:t>
-            </a:r>
-            <a:r>
-              <a:rPr lang="el-GR" i="1" dirty="0"/>
-              <a:t>ρ</a:t>
-            </a:r>
-            <a:endParaRPr lang="en-US" dirty="0"/>
+              <a:t>elation Algebra – Project </a:t>
+            </a:r>
+            <a:r>
+              <a:rPr lang="en-US" altLang="zh-CN" b="0" dirty="0"/>
+              <a:t>Ⅱ</a:t>
+            </a:r>
+            <a:endParaRPr lang="en-US" b="0" dirty="0"/>
           </a:p>
         </p:txBody>
       </p:sp>
@@ -21483,10 +23316,10 @@
       </p:sp>
       <p:pic>
         <p:nvPicPr>
-          <p:cNvPr id="3" name="图片 2">
-            <a:extLst>
-              <a:ext uri="{FF2B5EF4-FFF2-40B4-BE49-F238E27FC236}">
-                <a16:creationId xmlns:a16="http://schemas.microsoft.com/office/drawing/2014/main" id="{89895B0B-7DCD-44D8-9BD4-D74D19F02AA0}"/>
+          <p:cNvPr id="4" name="图片 3">
+            <a:extLst>
+              <a:ext uri="{FF2B5EF4-FFF2-40B4-BE49-F238E27FC236}">
+                <a16:creationId xmlns:a16="http://schemas.microsoft.com/office/drawing/2014/main" id="{85BDAE44-A1B3-462C-A117-B4908CA0DB69}"/>
               </a:ext>
             </a:extLst>
           </p:cNvPr>
@@ -21495,16 +23328,15 @@
           </p:cNvPicPr>
           <p:nvPr/>
         </p:nvPicPr>
-        <p:blipFill>
+        <p:blipFill rotWithShape="1">
           <a:blip r:embed="rId2"/>
-          <a:stretch>
-            <a:fillRect/>
-          </a:stretch>
+          <a:srcRect b="2518"/>
+          <a:stretch/>
         </p:blipFill>
         <p:spPr>
           <a:xfrm>
-            <a:off x="1983291" y="1647893"/>
-            <a:ext cx="7988596" cy="3285920"/>
+            <a:off x="5257251" y="687265"/>
+            <a:ext cx="6400800" cy="5236832"/>
           </a:xfrm>
           <a:prstGeom prst="rect">
             <a:avLst/>
@@ -21514,7 +23346,7 @@
     </p:spTree>
     <p:extLst>
       <p:ext uri="{BB962C8B-B14F-4D97-AF65-F5344CB8AC3E}">
-        <p14:creationId xmlns:p14="http://schemas.microsoft.com/office/powerpoint/2010/main" val="3733715930"/>
+        <p14:creationId xmlns:p14="http://schemas.microsoft.com/office/powerpoint/2010/main" val="713665678"/>
       </p:ext>
     </p:extLst>
   </p:cSld>
@@ -21543,10 +23375,10 @@
       </p:grpSpPr>
       <p:sp>
         <p:nvSpPr>
-          <p:cNvPr id="5" name="标题 4">
-            <a:extLst>
-              <a:ext uri="{FF2B5EF4-FFF2-40B4-BE49-F238E27FC236}">
-                <a16:creationId xmlns:a16="http://schemas.microsoft.com/office/drawing/2014/main" id="{1C7C72D1-2A93-4A60-B872-6B2F1C4B8C7A}"/>
+          <p:cNvPr id="7" name="标题 6">
+            <a:extLst>
+              <a:ext uri="{FF2B5EF4-FFF2-40B4-BE49-F238E27FC236}">
+                <a16:creationId xmlns:a16="http://schemas.microsoft.com/office/drawing/2014/main" id="{0E5687B6-2DF7-4069-A641-049E0B1343D3}"/>
               </a:ext>
             </a:extLst>
           </p:cNvPr>
@@ -21557,62 +23389,38 @@
             <p:ph type="title"/>
           </p:nvPr>
         </p:nvSpPr>
-        <p:spPr/>
+        <p:spPr>
+          <a:xfrm>
+            <a:off x="240941" y="365126"/>
+            <a:ext cx="11710118" cy="644278"/>
+          </a:xfrm>
+        </p:spPr>
         <p:txBody>
           <a:bodyPr/>
           <a:lstStyle/>
           <a:p>
             <a:r>
               <a:rPr lang="en-US" dirty="0"/>
-              <a:t>Home Page &lt;</a:t>
-            </a:r>
-            <a:r>
-              <a:rPr lang="en-US" dirty="0">
-                <a:hlinkClick r:id="rId2"/>
-              </a:rPr>
-              <a:t>https://www.calcite.apache.org</a:t>
-            </a:r>
-            <a:r>
-              <a:rPr lang="en-US" dirty="0"/>
-              <a:t>&gt;</a:t>
-            </a:r>
-          </a:p>
-        </p:txBody>
-      </p:sp>
-      <p:pic>
-        <p:nvPicPr>
-          <p:cNvPr id="9" name="内容占位符 8">
-            <a:extLst>
-              <a:ext uri="{FF2B5EF4-FFF2-40B4-BE49-F238E27FC236}">
-                <a16:creationId xmlns:a16="http://schemas.microsoft.com/office/drawing/2014/main" id="{B4A87D54-5A09-4C04-8613-A5441B0D25AA}"/>
-              </a:ext>
-            </a:extLst>
-          </p:cNvPr>
-          <p:cNvPicPr>
-            <a:picLocks noGrp="1" noChangeAspect="1"/>
-          </p:cNvPicPr>
-          <p:nvPr>
-            <p:ph idx="10"/>
-          </p:nvPr>
-        </p:nvPicPr>
-        <p:blipFill rotWithShape="1">
-          <a:blip r:embed="rId3"/>
-          <a:srcRect b="9514"/>
-          <a:stretch/>
-        </p:blipFill>
-        <p:spPr>
-          <a:xfrm>
-            <a:off x="0" y="959218"/>
-            <a:ext cx="12212126" cy="5072305"/>
-          </a:xfrm>
-        </p:spPr>
-      </p:pic>
-      <p:sp>
-        <p:nvSpPr>
-          <p:cNvPr id="4" name="页脚占位符 3">
-            <a:extLst>
-              <a:ext uri="{FF2B5EF4-FFF2-40B4-BE49-F238E27FC236}">
-                <a16:creationId xmlns:a16="http://schemas.microsoft.com/office/drawing/2014/main" id="{2534E824-82CD-4C12-8751-F8C03980E636}"/>
+              <a:t>R</a:t>
+            </a:r>
+            <a:r>
+              <a:rPr lang="en-US" altLang="zh-CN" dirty="0"/>
+              <a:t>elation Algebra – Select </a:t>
+            </a:r>
+            <a:r>
+              <a:rPr lang="el-GR" i="1" dirty="0"/>
+              <a:t>σ</a:t>
+            </a:r>
+            <a:endParaRPr lang="en-US" dirty="0"/>
+          </a:p>
+        </p:txBody>
+      </p:sp>
+      <p:sp>
+        <p:nvSpPr>
+          <p:cNvPr id="5" name="页脚占位符 4">
+            <a:extLst>
+              <a:ext uri="{FF2B5EF4-FFF2-40B4-BE49-F238E27FC236}">
+                <a16:creationId xmlns:a16="http://schemas.microsoft.com/office/drawing/2014/main" id="{A7FC5878-D853-4C50-9A01-31C5BD7FA5E9}"/>
               </a:ext>
             </a:extLst>
           </p:cNvPr>
@@ -21633,15 +23441,7 @@
             </a:pPr>
             <a:r>
               <a:rPr lang="en-US"/>
-              <a:t>Copyright @ 2017 - 2023 A</a:t>
-            </a:r>
-            <a:r>
-              <a:rPr lang="en-US" altLang="zh-CN"/>
-              <a:t>aron</a:t>
-            </a:r>
-            <a:r>
-              <a:rPr lang="en-US"/>
-              <a:t>. All rights reserved.</a:t>
+              <a:t>Copyright @ 2017 - 2023 Aaron. All rights reserved.</a:t>
             </a:r>
             <a:endParaRPr lang="en-US" dirty="0"/>
           </a:p>
@@ -21649,10 +23449,10 @@
       </p:sp>
       <p:sp>
         <p:nvSpPr>
-          <p:cNvPr id="3" name="灯片编号占位符 2">
-            <a:extLst>
-              <a:ext uri="{FF2B5EF4-FFF2-40B4-BE49-F238E27FC236}">
-                <a16:creationId xmlns:a16="http://schemas.microsoft.com/office/drawing/2014/main" id="{BBDC7E3B-698F-438E-9F32-9FAFF2176F83}"/>
+          <p:cNvPr id="6" name="灯片编号占位符 5">
+            <a:extLst>
+              <a:ext uri="{FF2B5EF4-FFF2-40B4-BE49-F238E27FC236}">
+                <a16:creationId xmlns:a16="http://schemas.microsoft.com/office/drawing/2014/main" id="{DC96AD8A-4EF3-4592-B4B7-C56B58A18A3B}"/>
               </a:ext>
             </a:extLst>
           </p:cNvPr>
@@ -21671,7 +23471,7 @@
             <a:pPr>
               <a:defRPr/>
             </a:pPr>
-            <a:fld id="{45A1B3F3-60E0-6745-9FE6-9C4771689AE1}" type="slidenum">
+            <a:fld id="{7636629C-DB39-B44B-9452-4DC450D43CB3}" type="slidenum">
               <a:rPr lang="en-US" smtClean="0"/>
               <a:pPr>
                 <a:defRPr/>
@@ -21682,10 +23482,40 @@
           </a:p>
         </p:txBody>
       </p:sp>
+      <p:pic>
+        <p:nvPicPr>
+          <p:cNvPr id="2" name="图片 1">
+            <a:extLst>
+              <a:ext uri="{FF2B5EF4-FFF2-40B4-BE49-F238E27FC236}">
+                <a16:creationId xmlns:a16="http://schemas.microsoft.com/office/drawing/2014/main" id="{1B262B00-D985-449E-98E5-3746AD8A5374}"/>
+              </a:ext>
+            </a:extLst>
+          </p:cNvPr>
+          <p:cNvPicPr>
+            <a:picLocks noChangeAspect="1"/>
+          </p:cNvPicPr>
+          <p:nvPr/>
+        </p:nvPicPr>
+        <p:blipFill>
+          <a:blip r:embed="rId2"/>
+          <a:stretch>
+            <a:fillRect/>
+          </a:stretch>
+        </p:blipFill>
+        <p:spPr>
+          <a:xfrm>
+            <a:off x="4009614" y="1090098"/>
+            <a:ext cx="7401202" cy="4889683"/>
+          </a:xfrm>
+          <a:prstGeom prst="rect">
+            <a:avLst/>
+          </a:prstGeom>
+        </p:spPr>
+      </p:pic>
     </p:spTree>
     <p:extLst>
       <p:ext uri="{BB962C8B-B14F-4D97-AF65-F5344CB8AC3E}">
-        <p14:creationId xmlns:p14="http://schemas.microsoft.com/office/powerpoint/2010/main" val="4081628691"/>
+        <p14:creationId xmlns:p14="http://schemas.microsoft.com/office/powerpoint/2010/main" val="2408236217"/>
       </p:ext>
     </p:extLst>
   </p:cSld>
@@ -21728,47 +23558,32 @@
             <p:ph type="title"/>
           </p:nvPr>
         </p:nvSpPr>
-        <p:spPr/>
+        <p:spPr>
+          <a:xfrm>
+            <a:off x="240941" y="365126"/>
+            <a:ext cx="11710118" cy="644278"/>
+          </a:xfrm>
+        </p:spPr>
         <p:txBody>
           <a:bodyPr/>
           <a:lstStyle/>
           <a:p>
             <a:r>
               <a:rPr lang="en-US" dirty="0"/>
-              <a:t>Standard SQL </a:t>
-            </a:r>
-          </a:p>
-        </p:txBody>
-      </p:sp>
-      <p:pic>
-        <p:nvPicPr>
-          <p:cNvPr id="10" name="内容占位符 9">
-            <a:extLst>
-              <a:ext uri="{FF2B5EF4-FFF2-40B4-BE49-F238E27FC236}">
-                <a16:creationId xmlns:a16="http://schemas.microsoft.com/office/drawing/2014/main" id="{C1FAB44B-649F-4586-BFD8-2AE6A8FE9780}"/>
-              </a:ext>
-            </a:extLst>
-          </p:cNvPr>
-          <p:cNvPicPr>
-            <a:picLocks noGrp="1" noChangeAspect="1"/>
-          </p:cNvPicPr>
-          <p:nvPr>
-            <p:ph idx="10"/>
-          </p:nvPr>
-        </p:nvPicPr>
-        <p:blipFill>
-          <a:blip r:embed="rId2"/>
-          <a:stretch>
-            <a:fillRect/>
-          </a:stretch>
-        </p:blipFill>
-        <p:spPr>
-          <a:xfrm>
-            <a:off x="444226" y="2419198"/>
-            <a:ext cx="11303548" cy="2335682"/>
-          </a:xfrm>
-        </p:spPr>
-      </p:pic>
+              <a:t>R</a:t>
+            </a:r>
+            <a:r>
+              <a:rPr lang="en-US" altLang="zh-CN" dirty="0"/>
+              <a:t>elation Algebra – Rename </a:t>
+            </a:r>
+            <a:r>
+              <a:rPr lang="el-GR" i="1" dirty="0"/>
+              <a:t>ρ</a:t>
+            </a:r>
+            <a:endParaRPr lang="en-US" dirty="0"/>
+          </a:p>
+        </p:txBody>
+      </p:sp>
       <p:sp>
         <p:nvSpPr>
           <p:cNvPr id="5" name="页脚占位符 4">
@@ -21836,10 +23651,40 @@
           </a:p>
         </p:txBody>
       </p:sp>
+      <p:pic>
+        <p:nvPicPr>
+          <p:cNvPr id="3" name="图片 2">
+            <a:extLst>
+              <a:ext uri="{FF2B5EF4-FFF2-40B4-BE49-F238E27FC236}">
+                <a16:creationId xmlns:a16="http://schemas.microsoft.com/office/drawing/2014/main" id="{89895B0B-7DCD-44D8-9BD4-D74D19F02AA0}"/>
+              </a:ext>
+            </a:extLst>
+          </p:cNvPr>
+          <p:cNvPicPr>
+            <a:picLocks noChangeAspect="1"/>
+          </p:cNvPicPr>
+          <p:nvPr/>
+        </p:nvPicPr>
+        <p:blipFill>
+          <a:blip r:embed="rId2"/>
+          <a:stretch>
+            <a:fillRect/>
+          </a:stretch>
+        </p:blipFill>
+        <p:spPr>
+          <a:xfrm>
+            <a:off x="1983291" y="1647893"/>
+            <a:ext cx="7988596" cy="3285920"/>
+          </a:xfrm>
+          <a:prstGeom prst="rect">
+            <a:avLst/>
+          </a:prstGeom>
+        </p:spPr>
+      </p:pic>
     </p:spTree>
     <p:extLst>
       <p:ext uri="{BB962C8B-B14F-4D97-AF65-F5344CB8AC3E}">
-        <p14:creationId xmlns:p14="http://schemas.microsoft.com/office/powerpoint/2010/main" val="2353173997"/>
+        <p14:creationId xmlns:p14="http://schemas.microsoft.com/office/powerpoint/2010/main" val="3733715930"/>
       </p:ext>
     </p:extLst>
   </p:cSld>
